--- a/Lecture slides/ADAP A03 - Homework.pptx
+++ b/Lecture slides/ADAP A03 - Homework.pptx
@@ -814,7 +814,7 @@
   <p:cSld>
     <p:spTree>
       <p:nvGrpSpPr>
-        <p:cNvPr id="105" name="Shape 105"/>
+        <p:cNvPr id="106" name="Shape 106"/>
         <p:cNvGrpSpPr/>
         <p:nvPr/>
       </p:nvGrpSpPr>
@@ -828,7 +828,7 @@
       </p:grpSpPr>
       <p:sp>
         <p:nvSpPr>
-          <p:cNvPr id="106" name="Google Shape;106;g2fe02fb2832_0_0:notes"/>
+          <p:cNvPr id="107" name="Google Shape;107;g2fe02fb2832_0_0:notes"/>
           <p:cNvSpPr/>
           <p:nvPr>
             <p:ph idx="2" type="sldImg"/>
@@ -863,7 +863,7 @@
       </p:sp>
       <p:sp>
         <p:nvSpPr>
-          <p:cNvPr id="107" name="Google Shape;107;g2fe02fb2832_0_0:notes"/>
+          <p:cNvPr id="108" name="Google Shape;108;g2fe02fb2832_0_0:notes"/>
           <p:cNvSpPr txBox="1"/>
           <p:nvPr>
             <p:ph idx="1" type="body"/>
@@ -913,7 +913,7 @@
   <p:cSld>
     <p:spTree>
       <p:nvGrpSpPr>
-        <p:cNvPr id="112" name="Shape 112"/>
+        <p:cNvPr id="113" name="Shape 113"/>
         <p:cNvGrpSpPr/>
         <p:nvPr/>
       </p:nvGrpSpPr>
@@ -927,7 +927,7 @@
       </p:grpSpPr>
       <p:sp>
         <p:nvSpPr>
-          <p:cNvPr id="113" name="Google Shape;113;g39b7a43ba29_1_29:notes"/>
+          <p:cNvPr id="114" name="Google Shape;114;g39b7a43ba29_1_29:notes"/>
           <p:cNvSpPr/>
           <p:nvPr>
             <p:ph idx="2" type="sldImg"/>
@@ -962,7 +962,7 @@
       </p:sp>
       <p:sp>
         <p:nvSpPr>
-          <p:cNvPr id="114" name="Google Shape;114;g39b7a43ba29_1_29:notes"/>
+          <p:cNvPr id="115" name="Google Shape;115;g39b7a43ba29_1_29:notes"/>
           <p:cNvSpPr txBox="1"/>
           <p:nvPr>
             <p:ph idx="1" type="body"/>
@@ -1012,7 +1012,7 @@
   <p:cSld>
     <p:spTree>
       <p:nvGrpSpPr>
-        <p:cNvPr id="119" name="Shape 119"/>
+        <p:cNvPr id="120" name="Shape 120"/>
         <p:cNvGrpSpPr/>
         <p:nvPr/>
       </p:nvGrpSpPr>
@@ -1026,7 +1026,7 @@
       </p:grpSpPr>
       <p:sp>
         <p:nvSpPr>
-          <p:cNvPr id="120" name="Google Shape;120;g302671db11d_0_32:notes"/>
+          <p:cNvPr id="121" name="Google Shape;121;g302671db11d_0_32:notes"/>
           <p:cNvSpPr/>
           <p:nvPr>
             <p:ph idx="2" type="sldImg"/>
@@ -1061,7 +1061,7 @@
       </p:sp>
       <p:sp>
         <p:nvSpPr>
-          <p:cNvPr id="121" name="Google Shape;121;g302671db11d_0_32:notes"/>
+          <p:cNvPr id="122" name="Google Shape;122;g302671db11d_0_32:notes"/>
           <p:cNvSpPr txBox="1"/>
           <p:nvPr>
             <p:ph idx="1" type="body"/>
@@ -1111,7 +1111,7 @@
   <p:cSld>
     <p:spTree>
       <p:nvGrpSpPr>
-        <p:cNvPr id="126" name="Shape 126"/>
+        <p:cNvPr id="127" name="Shape 127"/>
         <p:cNvGrpSpPr/>
         <p:nvPr/>
       </p:nvGrpSpPr>
@@ -1125,7 +1125,7 @@
       </p:grpSpPr>
       <p:sp>
         <p:nvSpPr>
-          <p:cNvPr id="127" name="Google Shape;127;g302671db11d_0_72:notes"/>
+          <p:cNvPr id="128" name="Google Shape;128;g302671db11d_0_72:notes"/>
           <p:cNvSpPr/>
           <p:nvPr>
             <p:ph idx="2" type="sldImg"/>
@@ -1160,7 +1160,7 @@
       </p:sp>
       <p:sp>
         <p:nvSpPr>
-          <p:cNvPr id="128" name="Google Shape;128;g302671db11d_0_72:notes"/>
+          <p:cNvPr id="129" name="Google Shape;129;g302671db11d_0_72:notes"/>
           <p:cNvSpPr txBox="1"/>
           <p:nvPr>
             <p:ph idx="1" type="body"/>
@@ -1210,7 +1210,7 @@
   <p:cSld>
     <p:spTree>
       <p:nvGrpSpPr>
-        <p:cNvPr id="133" name="Shape 133"/>
+        <p:cNvPr id="134" name="Shape 134"/>
         <p:cNvGrpSpPr/>
         <p:nvPr/>
       </p:nvGrpSpPr>
@@ -1224,7 +1224,7 @@
       </p:grpSpPr>
       <p:sp>
         <p:nvSpPr>
-          <p:cNvPr id="134" name="Google Shape;134;g39b7a43ba29_1_35:notes"/>
+          <p:cNvPr id="135" name="Google Shape;135;g39b7a43ba29_1_35:notes"/>
           <p:cNvSpPr/>
           <p:nvPr>
             <p:ph idx="2" type="sldImg"/>
@@ -1259,7 +1259,7 @@
       </p:sp>
       <p:sp>
         <p:nvSpPr>
-          <p:cNvPr id="135" name="Google Shape;135;g39b7a43ba29_1_35:notes"/>
+          <p:cNvPr id="136" name="Google Shape;136;g39b7a43ba29_1_35:notes"/>
           <p:cNvSpPr txBox="1"/>
           <p:nvPr>
             <p:ph idx="1" type="body"/>
@@ -1309,7 +1309,7 @@
   <p:cSld>
     <p:spTree>
       <p:nvGrpSpPr>
-        <p:cNvPr id="140" name="Shape 140"/>
+        <p:cNvPr id="141" name="Shape 141"/>
         <p:cNvGrpSpPr/>
         <p:nvPr/>
       </p:nvGrpSpPr>
@@ -1323,7 +1323,7 @@
       </p:grpSpPr>
       <p:sp>
         <p:nvSpPr>
-          <p:cNvPr id="141" name="Google Shape;141;g302671db11d_0_91:notes"/>
+          <p:cNvPr id="142" name="Google Shape;142;g302671db11d_0_91:notes"/>
           <p:cNvSpPr/>
           <p:nvPr>
             <p:ph idx="2" type="sldImg"/>
@@ -1358,7 +1358,7 @@
       </p:sp>
       <p:sp>
         <p:nvSpPr>
-          <p:cNvPr id="142" name="Google Shape;142;g302671db11d_0_91:notes"/>
+          <p:cNvPr id="143" name="Google Shape;143;g302671db11d_0_91:notes"/>
           <p:cNvSpPr txBox="1"/>
           <p:nvPr>
             <p:ph idx="1" type="body"/>
@@ -1408,7 +1408,7 @@
   <p:cSld>
     <p:spTree>
       <p:nvGrpSpPr>
-        <p:cNvPr id="147" name="Shape 147"/>
+        <p:cNvPr id="148" name="Shape 148"/>
         <p:cNvGrpSpPr/>
         <p:nvPr/>
       </p:nvGrpSpPr>
@@ -1422,7 +1422,7 @@
       </p:grpSpPr>
       <p:sp>
         <p:nvSpPr>
-          <p:cNvPr id="148" name="Google Shape;148;g302671db11d_0_40:notes"/>
+          <p:cNvPr id="149" name="Google Shape;149;g302671db11d_0_40:notes"/>
           <p:cNvSpPr/>
           <p:nvPr>
             <p:ph idx="2" type="sldImg"/>
@@ -1457,7 +1457,7 @@
       </p:sp>
       <p:sp>
         <p:nvSpPr>
-          <p:cNvPr id="149" name="Google Shape;149;g302671db11d_0_40:notes"/>
+          <p:cNvPr id="150" name="Google Shape;150;g302671db11d_0_40:notes"/>
           <p:cNvSpPr txBox="1"/>
           <p:nvPr>
             <p:ph idx="1" type="body"/>
@@ -1507,7 +1507,7 @@
   <p:cSld>
     <p:spTree>
       <p:nvGrpSpPr>
-        <p:cNvPr id="152" name="Shape 152"/>
+        <p:cNvPr id="153" name="Shape 153"/>
         <p:cNvGrpSpPr/>
         <p:nvPr/>
       </p:nvGrpSpPr>
@@ -1521,7 +1521,7 @@
       </p:grpSpPr>
       <p:sp>
         <p:nvSpPr>
-          <p:cNvPr id="153" name="Google Shape;153;g39b7a43ba29_1_47:notes"/>
+          <p:cNvPr id="154" name="Google Shape;154;g39b7a43ba29_1_47:notes"/>
           <p:cNvSpPr/>
           <p:nvPr>
             <p:ph idx="2" type="sldImg"/>
@@ -1556,7 +1556,7 @@
       </p:sp>
       <p:sp>
         <p:nvSpPr>
-          <p:cNvPr id="154" name="Google Shape;154;g39b7a43ba29_1_47:notes"/>
+          <p:cNvPr id="155" name="Google Shape;155;g39b7a43ba29_1_47:notes"/>
           <p:cNvSpPr txBox="1"/>
           <p:nvPr>
             <p:ph idx="1" type="body"/>
@@ -1606,7 +1606,7 @@
   <p:cSld>
     <p:spTree>
       <p:nvGrpSpPr>
-        <p:cNvPr id="159" name="Shape 159"/>
+        <p:cNvPr id="160" name="Shape 160"/>
         <p:cNvGrpSpPr/>
         <p:nvPr/>
       </p:nvGrpSpPr>
@@ -1620,7 +1620,7 @@
       </p:grpSpPr>
       <p:sp>
         <p:nvSpPr>
-          <p:cNvPr id="160" name="Google Shape;160;g39b7a43ba29_1_57:notes"/>
+          <p:cNvPr id="161" name="Google Shape;161;g39b7a43ba29_1_57:notes"/>
           <p:cNvSpPr/>
           <p:nvPr>
             <p:ph idx="2" type="sldImg"/>
@@ -1655,7 +1655,7 @@
       </p:sp>
       <p:sp>
         <p:nvSpPr>
-          <p:cNvPr id="161" name="Google Shape;161;g39b7a43ba29_1_57:notes"/>
+          <p:cNvPr id="162" name="Google Shape;162;g39b7a43ba29_1_57:notes"/>
           <p:cNvSpPr txBox="1"/>
           <p:nvPr>
             <p:ph idx="1" type="body"/>
@@ -1705,7 +1705,7 @@
   <p:cSld>
     <p:spTree>
       <p:nvGrpSpPr>
-        <p:cNvPr id="166" name="Shape 166"/>
+        <p:cNvPr id="167" name="Shape 167"/>
         <p:cNvGrpSpPr/>
         <p:nvPr/>
       </p:nvGrpSpPr>
@@ -1719,7 +1719,7 @@
       </p:grpSpPr>
       <p:sp>
         <p:nvSpPr>
-          <p:cNvPr id="167" name="Google Shape;167;g39b7a43ba29_1_105:notes"/>
+          <p:cNvPr id="168" name="Google Shape;168;g39b7a43ba29_1_105:notes"/>
           <p:cNvSpPr/>
           <p:nvPr>
             <p:ph idx="2" type="sldImg"/>
@@ -1754,7 +1754,7 @@
       </p:sp>
       <p:sp>
         <p:nvSpPr>
-          <p:cNvPr id="168" name="Google Shape;168;g39b7a43ba29_1_105:notes"/>
+          <p:cNvPr id="169" name="Google Shape;169;g39b7a43ba29_1_105:notes"/>
           <p:cNvSpPr txBox="1"/>
           <p:nvPr>
             <p:ph idx="1" type="body"/>
@@ -1903,7 +1903,7 @@
   <p:cSld>
     <p:spTree>
       <p:nvGrpSpPr>
-        <p:cNvPr id="173" name="Shape 173"/>
+        <p:cNvPr id="174" name="Shape 174"/>
         <p:cNvGrpSpPr/>
         <p:nvPr/>
       </p:nvGrpSpPr>
@@ -1917,7 +1917,7 @@
       </p:grpSpPr>
       <p:sp>
         <p:nvSpPr>
-          <p:cNvPr id="174" name="Google Shape;174;g39b7a43ba29_1_153:notes"/>
+          <p:cNvPr id="175" name="Google Shape;175;g39b7a43ba29_1_153:notes"/>
           <p:cNvSpPr/>
           <p:nvPr>
             <p:ph idx="2" type="sldImg"/>
@@ -1952,7 +1952,7 @@
       </p:sp>
       <p:sp>
         <p:nvSpPr>
-          <p:cNvPr id="175" name="Google Shape;175;g39b7a43ba29_1_153:notes"/>
+          <p:cNvPr id="176" name="Google Shape;176;g39b7a43ba29_1_153:notes"/>
           <p:cNvSpPr txBox="1"/>
           <p:nvPr>
             <p:ph idx="1" type="body"/>
@@ -2002,7 +2002,7 @@
   <p:cSld>
     <p:spTree>
       <p:nvGrpSpPr>
-        <p:cNvPr id="180" name="Shape 180"/>
+        <p:cNvPr id="181" name="Shape 181"/>
         <p:cNvGrpSpPr/>
         <p:nvPr/>
       </p:nvGrpSpPr>
@@ -2016,7 +2016,7 @@
       </p:grpSpPr>
       <p:sp>
         <p:nvSpPr>
-          <p:cNvPr id="181" name="Google Shape;181;g39b7a43ba29_1_201:notes"/>
+          <p:cNvPr id="182" name="Google Shape;182;g39b7a43ba29_1_201:notes"/>
           <p:cNvSpPr/>
           <p:nvPr>
             <p:ph idx="2" type="sldImg"/>
@@ -2051,7 +2051,7 @@
       </p:sp>
       <p:sp>
         <p:nvSpPr>
-          <p:cNvPr id="182" name="Google Shape;182;g39b7a43ba29_1_201:notes"/>
+          <p:cNvPr id="183" name="Google Shape;183;g39b7a43ba29_1_201:notes"/>
           <p:cNvSpPr txBox="1"/>
           <p:nvPr>
             <p:ph idx="1" type="body"/>
@@ -2101,7 +2101,7 @@
   <p:cSld>
     <p:spTree>
       <p:nvGrpSpPr>
-        <p:cNvPr id="187" name="Shape 187"/>
+        <p:cNvPr id="188" name="Shape 188"/>
         <p:cNvGrpSpPr/>
         <p:nvPr/>
       </p:nvGrpSpPr>
@@ -2115,7 +2115,7 @@
       </p:grpSpPr>
       <p:sp>
         <p:nvSpPr>
-          <p:cNvPr id="188" name="Google Shape;188;g39b7a43ba29_1_249:notes"/>
+          <p:cNvPr id="189" name="Google Shape;189;g39b7a43ba29_1_249:notes"/>
           <p:cNvSpPr/>
           <p:nvPr>
             <p:ph idx="2" type="sldImg"/>
@@ -2150,7 +2150,7 @@
       </p:sp>
       <p:sp>
         <p:nvSpPr>
-          <p:cNvPr id="189" name="Google Shape;189;g39b7a43ba29_1_249:notes"/>
+          <p:cNvPr id="190" name="Google Shape;190;g39b7a43ba29_1_249:notes"/>
           <p:cNvSpPr txBox="1"/>
           <p:nvPr>
             <p:ph idx="1" type="body"/>
@@ -2200,7 +2200,7 @@
   <p:cSld>
     <p:spTree>
       <p:nvGrpSpPr>
-        <p:cNvPr id="194" name="Shape 194"/>
+        <p:cNvPr id="195" name="Shape 195"/>
         <p:cNvGrpSpPr/>
         <p:nvPr/>
       </p:nvGrpSpPr>
@@ -2214,7 +2214,7 @@
       </p:grpSpPr>
       <p:sp>
         <p:nvSpPr>
-          <p:cNvPr id="195" name="Google Shape;195;g39b7a43ba29_1_297:notes"/>
+          <p:cNvPr id="196" name="Google Shape;196;g39b7a43ba29_1_297:notes"/>
           <p:cNvSpPr/>
           <p:nvPr>
             <p:ph idx="2" type="sldImg"/>
@@ -2249,7 +2249,7 @@
       </p:sp>
       <p:sp>
         <p:nvSpPr>
-          <p:cNvPr id="196" name="Google Shape;196;g39b7a43ba29_1_297:notes"/>
+          <p:cNvPr id="197" name="Google Shape;197;g39b7a43ba29_1_297:notes"/>
           <p:cNvSpPr txBox="1"/>
           <p:nvPr>
             <p:ph idx="1" type="body"/>
@@ -2299,7 +2299,7 @@
   <p:cSld>
     <p:spTree>
       <p:nvGrpSpPr>
-        <p:cNvPr id="201" name="Shape 201"/>
+        <p:cNvPr id="202" name="Shape 202"/>
         <p:cNvGrpSpPr/>
         <p:nvPr/>
       </p:nvGrpSpPr>
@@ -2313,7 +2313,7 @@
       </p:grpSpPr>
       <p:sp>
         <p:nvSpPr>
-          <p:cNvPr id="202" name="Google Shape;202;g239609b2c0c_0_42:notes"/>
+          <p:cNvPr id="203" name="Google Shape;203;g239609b2c0c_0_42:notes"/>
           <p:cNvSpPr/>
           <p:nvPr>
             <p:ph idx="2" type="sldImg"/>
@@ -2348,7 +2348,7 @@
       </p:sp>
       <p:sp>
         <p:nvSpPr>
-          <p:cNvPr id="203" name="Google Shape;203;g239609b2c0c_0_42:notes"/>
+          <p:cNvPr id="204" name="Google Shape;204;g239609b2c0c_0_42:notes"/>
           <p:cNvSpPr txBox="1"/>
           <p:nvPr>
             <p:ph idx="1" type="body"/>
@@ -2398,7 +2398,7 @@
   <p:cSld>
     <p:spTree>
       <p:nvGrpSpPr>
-        <p:cNvPr id="207" name="Shape 207"/>
+        <p:cNvPr id="208" name="Shape 208"/>
         <p:cNvGrpSpPr/>
         <p:nvPr/>
       </p:nvGrpSpPr>
@@ -2412,7 +2412,7 @@
       </p:grpSpPr>
       <p:sp>
         <p:nvSpPr>
-          <p:cNvPr id="208" name="Google Shape;208;g239609b2c0c_0_47:notes"/>
+          <p:cNvPr id="209" name="Google Shape;209;g239609b2c0c_0_47:notes"/>
           <p:cNvSpPr/>
           <p:nvPr>
             <p:ph idx="2" type="sldImg"/>
@@ -2447,7 +2447,7 @@
       </p:sp>
       <p:sp>
         <p:nvSpPr>
-          <p:cNvPr id="209" name="Google Shape;209;g239609b2c0c_0_47:notes"/>
+          <p:cNvPr id="210" name="Google Shape;210;g239609b2c0c_0_47:notes"/>
           <p:cNvSpPr txBox="1"/>
           <p:nvPr>
             <p:ph idx="1" type="body"/>
@@ -2893,7 +2893,7 @@
   <p:cSld>
     <p:spTree>
       <p:nvGrpSpPr>
-        <p:cNvPr id="86" name="Shape 86"/>
+        <p:cNvPr id="87" name="Shape 87"/>
         <p:cNvGrpSpPr/>
         <p:nvPr/>
       </p:nvGrpSpPr>
@@ -2907,7 +2907,7 @@
       </p:grpSpPr>
       <p:sp>
         <p:nvSpPr>
-          <p:cNvPr id="87" name="Google Shape;87;g39b7a43ba29_1_25:notes"/>
+          <p:cNvPr id="88" name="Google Shape;88;g39b7a43ba29_1_25:notes"/>
           <p:cNvSpPr/>
           <p:nvPr>
             <p:ph idx="2" type="sldImg"/>
@@ -2942,7 +2942,7 @@
       </p:sp>
       <p:sp>
         <p:nvSpPr>
-          <p:cNvPr id="88" name="Google Shape;88;g39b7a43ba29_1_25:notes"/>
+          <p:cNvPr id="89" name="Google Shape;89;g39b7a43ba29_1_25:notes"/>
           <p:cNvSpPr txBox="1"/>
           <p:nvPr>
             <p:ph idx="1" type="body"/>
@@ -2992,7 +2992,7 @@
   <p:cSld>
     <p:spTree>
       <p:nvGrpSpPr>
-        <p:cNvPr id="91" name="Shape 91"/>
+        <p:cNvPr id="92" name="Shape 92"/>
         <p:cNvGrpSpPr/>
         <p:nvPr/>
       </p:nvGrpSpPr>
@@ -3006,7 +3006,7 @@
       </p:grpSpPr>
       <p:sp>
         <p:nvSpPr>
-          <p:cNvPr id="92" name="Google Shape;92;g30a722db546_0_3:notes"/>
+          <p:cNvPr id="93" name="Google Shape;93;g30a722db546_0_3:notes"/>
           <p:cNvSpPr/>
           <p:nvPr>
             <p:ph idx="2" type="sldImg"/>
@@ -3041,7 +3041,7 @@
       </p:sp>
       <p:sp>
         <p:nvSpPr>
-          <p:cNvPr id="93" name="Google Shape;93;g30a722db546_0_3:notes"/>
+          <p:cNvPr id="94" name="Google Shape;94;g30a722db546_0_3:notes"/>
           <p:cNvSpPr txBox="1"/>
           <p:nvPr>
             <p:ph idx="1" type="body"/>
@@ -3091,7 +3091,7 @@
   <p:cSld>
     <p:spTree>
       <p:nvGrpSpPr>
-        <p:cNvPr id="98" name="Shape 98"/>
+        <p:cNvPr id="99" name="Shape 99"/>
         <p:cNvGrpSpPr/>
         <p:nvPr/>
       </p:nvGrpSpPr>
@@ -3105,7 +3105,7 @@
       </p:grpSpPr>
       <p:sp>
         <p:nvSpPr>
-          <p:cNvPr id="99" name="Google Shape;99;g302671db11d_0_17:notes"/>
+          <p:cNvPr id="100" name="Google Shape;100;g302671db11d_0_17:notes"/>
           <p:cNvSpPr/>
           <p:nvPr>
             <p:ph idx="2" type="sldImg"/>
@@ -3140,7 +3140,7 @@
       </p:sp>
       <p:sp>
         <p:nvSpPr>
-          <p:cNvPr id="100" name="Google Shape;100;g302671db11d_0_17:notes"/>
+          <p:cNvPr id="101" name="Google Shape;101;g302671db11d_0_17:notes"/>
           <p:cNvSpPr txBox="1"/>
           <p:nvPr>
             <p:ph idx="1" type="body"/>
@@ -7120,7 +7120,7 @@
   <p:cSld>
     <p:spTree>
       <p:nvGrpSpPr>
-        <p:cNvPr id="108" name="Shape 108"/>
+        <p:cNvPr id="109" name="Shape 109"/>
         <p:cNvGrpSpPr/>
         <p:nvPr/>
       </p:nvGrpSpPr>
@@ -7134,7 +7134,7 @@
       </p:grpSpPr>
       <p:sp>
         <p:nvSpPr>
-          <p:cNvPr id="109" name="Google Shape;109;p17"/>
+          <p:cNvPr id="110" name="Google Shape;110;p17"/>
           <p:cNvSpPr txBox="1"/>
           <p:nvPr>
             <p:ph idx="1" type="body"/>
@@ -7422,7 +7422,7 @@
       </p:sp>
       <p:sp>
         <p:nvSpPr>
-          <p:cNvPr id="110" name="Google Shape;110;p17"/>
+          <p:cNvPr id="111" name="Google Shape;111;p17"/>
           <p:cNvSpPr txBox="1"/>
           <p:nvPr>
             <p:ph type="title"/>
@@ -7462,7 +7462,7 @@
       </p:sp>
       <p:sp>
         <p:nvSpPr>
-          <p:cNvPr id="111" name="Google Shape;111;p17"/>
+          <p:cNvPr id="112" name="Google Shape;112;p17"/>
           <p:cNvSpPr txBox="1"/>
           <p:nvPr>
             <p:ph idx="12" type="sldNum"/>
@@ -7546,7 +7546,7 @@
   <p:cSld>
     <p:spTree>
       <p:nvGrpSpPr>
-        <p:cNvPr id="115" name="Shape 115"/>
+        <p:cNvPr id="116" name="Shape 116"/>
         <p:cNvGrpSpPr/>
         <p:nvPr/>
       </p:nvGrpSpPr>
@@ -7560,7 +7560,7 @@
       </p:grpSpPr>
       <p:sp>
         <p:nvSpPr>
-          <p:cNvPr id="116" name="Google Shape;116;p18"/>
+          <p:cNvPr id="117" name="Google Shape;117;p18"/>
           <p:cNvSpPr txBox="1"/>
           <p:nvPr>
             <p:ph type="title"/>
@@ -7600,7 +7600,7 @@
       </p:sp>
       <p:sp>
         <p:nvSpPr>
-          <p:cNvPr id="117" name="Google Shape;117;p18"/>
+          <p:cNvPr id="118" name="Google Shape;118;p18"/>
           <p:cNvSpPr txBox="1"/>
           <p:nvPr>
             <p:ph idx="1" type="body"/>
@@ -7724,7 +7724,7 @@
       </p:sp>
       <p:sp>
         <p:nvSpPr>
-          <p:cNvPr id="118" name="Google Shape;118;p18"/>
+          <p:cNvPr id="119" name="Google Shape;119;p18"/>
           <p:cNvSpPr txBox="1"/>
           <p:nvPr>
             <p:ph idx="12" type="sldNum"/>
@@ -7808,7 +7808,7 @@
   <p:cSld>
     <p:spTree>
       <p:nvGrpSpPr>
-        <p:cNvPr id="122" name="Shape 122"/>
+        <p:cNvPr id="123" name="Shape 123"/>
         <p:cNvGrpSpPr/>
         <p:nvPr/>
       </p:nvGrpSpPr>
@@ -7822,7 +7822,7 @@
       </p:grpSpPr>
       <p:sp>
         <p:nvSpPr>
-          <p:cNvPr id="123" name="Google Shape;123;p19"/>
+          <p:cNvPr id="124" name="Google Shape;124;p19"/>
           <p:cNvSpPr txBox="1"/>
           <p:nvPr>
             <p:ph type="title"/>
@@ -7862,7 +7862,7 @@
       </p:sp>
       <p:sp>
         <p:nvSpPr>
-          <p:cNvPr id="124" name="Google Shape;124;p19"/>
+          <p:cNvPr id="125" name="Google Shape;125;p19"/>
           <p:cNvSpPr txBox="1"/>
           <p:nvPr>
             <p:ph idx="1" type="body"/>
@@ -8078,7 +8078,7 @@
       </p:sp>
       <p:sp>
         <p:nvSpPr>
-          <p:cNvPr id="125" name="Google Shape;125;p19"/>
+          <p:cNvPr id="126" name="Google Shape;126;p19"/>
           <p:cNvSpPr txBox="1"/>
           <p:nvPr>
             <p:ph idx="12" type="sldNum"/>
@@ -8162,7 +8162,7 @@
   <p:cSld>
     <p:spTree>
       <p:nvGrpSpPr>
-        <p:cNvPr id="129" name="Shape 129"/>
+        <p:cNvPr id="130" name="Shape 130"/>
         <p:cNvGrpSpPr/>
         <p:nvPr/>
       </p:nvGrpSpPr>
@@ -8176,7 +8176,7 @@
       </p:grpSpPr>
       <p:sp>
         <p:nvSpPr>
-          <p:cNvPr id="130" name="Google Shape;130;p20"/>
+          <p:cNvPr id="131" name="Google Shape;131;p20"/>
           <p:cNvSpPr txBox="1"/>
           <p:nvPr>
             <p:ph type="title"/>
@@ -8216,7 +8216,7 @@
       </p:sp>
       <p:sp>
         <p:nvSpPr>
-          <p:cNvPr id="131" name="Google Shape;131;p20"/>
+          <p:cNvPr id="132" name="Google Shape;132;p20"/>
           <p:cNvSpPr txBox="1"/>
           <p:nvPr>
             <p:ph idx="1" type="body"/>
@@ -8393,7 +8393,7 @@
       </p:sp>
       <p:sp>
         <p:nvSpPr>
-          <p:cNvPr id="132" name="Google Shape;132;p20"/>
+          <p:cNvPr id="133" name="Google Shape;133;p20"/>
           <p:cNvSpPr txBox="1"/>
           <p:nvPr>
             <p:ph idx="12" type="sldNum"/>
@@ -8477,7 +8477,7 @@
   <p:cSld>
     <p:spTree>
       <p:nvGrpSpPr>
-        <p:cNvPr id="136" name="Shape 136"/>
+        <p:cNvPr id="137" name="Shape 137"/>
         <p:cNvGrpSpPr/>
         <p:nvPr/>
       </p:nvGrpSpPr>
@@ -8491,7 +8491,7 @@
       </p:grpSpPr>
       <p:sp>
         <p:nvSpPr>
-          <p:cNvPr id="137" name="Google Shape;137;p21"/>
+          <p:cNvPr id="138" name="Google Shape;138;p21"/>
           <p:cNvSpPr txBox="1"/>
           <p:nvPr>
             <p:ph type="title"/>
@@ -8531,7 +8531,7 @@
       </p:sp>
       <p:sp>
         <p:nvSpPr>
-          <p:cNvPr id="138" name="Google Shape;138;p21"/>
+          <p:cNvPr id="139" name="Google Shape;139;p21"/>
           <p:cNvSpPr txBox="1"/>
           <p:nvPr>
             <p:ph idx="1" type="body"/>
@@ -8627,7 +8627,7 @@
       </p:sp>
       <p:sp>
         <p:nvSpPr>
-          <p:cNvPr id="139" name="Google Shape;139;p21"/>
+          <p:cNvPr id="140" name="Google Shape;140;p21"/>
           <p:cNvSpPr txBox="1"/>
           <p:nvPr>
             <p:ph idx="12" type="sldNum"/>
@@ -8711,7 +8711,7 @@
   <p:cSld>
     <p:spTree>
       <p:nvGrpSpPr>
-        <p:cNvPr id="143" name="Shape 143"/>
+        <p:cNvPr id="144" name="Shape 144"/>
         <p:cNvGrpSpPr/>
         <p:nvPr/>
       </p:nvGrpSpPr>
@@ -8725,7 +8725,7 @@
       </p:grpSpPr>
       <p:sp>
         <p:nvSpPr>
-          <p:cNvPr id="144" name="Google Shape;144;p22"/>
+          <p:cNvPr id="145" name="Google Shape;145;p22"/>
           <p:cNvSpPr txBox="1"/>
           <p:nvPr>
             <p:ph type="title"/>
@@ -8765,7 +8765,7 @@
       </p:sp>
       <p:sp>
         <p:nvSpPr>
-          <p:cNvPr id="145" name="Google Shape;145;p22"/>
+          <p:cNvPr id="146" name="Google Shape;146;p22"/>
           <p:cNvSpPr txBox="1"/>
           <p:nvPr>
             <p:ph idx="1" type="body"/>
@@ -8888,7 +8888,7 @@
       </p:sp>
       <p:sp>
         <p:nvSpPr>
-          <p:cNvPr id="146" name="Google Shape;146;p22"/>
+          <p:cNvPr id="147" name="Google Shape;147;p22"/>
           <p:cNvSpPr txBox="1"/>
           <p:nvPr>
             <p:ph idx="12" type="sldNum"/>
@@ -8972,7 +8972,7 @@
   <p:cSld>
     <p:spTree>
       <p:nvGrpSpPr>
-        <p:cNvPr id="150" name="Shape 150"/>
+        <p:cNvPr id="151" name="Shape 151"/>
         <p:cNvGrpSpPr/>
         <p:nvPr/>
       </p:nvGrpSpPr>
@@ -8986,7 +8986,7 @@
       </p:grpSpPr>
       <p:sp>
         <p:nvSpPr>
-          <p:cNvPr id="151" name="Google Shape;151;p23"/>
+          <p:cNvPr id="152" name="Google Shape;152;p23"/>
           <p:cNvSpPr txBox="1"/>
           <p:nvPr>
             <p:ph type="title"/>
@@ -9037,7 +9037,7 @@
   <p:cSld>
     <p:spTree>
       <p:nvGrpSpPr>
-        <p:cNvPr id="155" name="Shape 155"/>
+        <p:cNvPr id="156" name="Shape 156"/>
         <p:cNvGrpSpPr/>
         <p:nvPr/>
       </p:nvGrpSpPr>
@@ -9051,7 +9051,7 @@
       </p:grpSpPr>
       <p:sp>
         <p:nvSpPr>
-          <p:cNvPr id="156" name="Google Shape;156;p24"/>
+          <p:cNvPr id="157" name="Google Shape;157;p24"/>
           <p:cNvSpPr txBox="1"/>
           <p:nvPr>
             <p:ph type="title"/>
@@ -9083,7 +9083,7 @@
             </a:pPr>
             <a:r>
               <a:rPr lang="en"/>
-              <a:t>Homework A01 Introduction</a:t>
+              <a:t>Homework A01 – Introduction</a:t>
             </a:r>
             <a:endParaRPr/>
           </a:p>
@@ -9091,7 +9091,7 @@
       </p:sp>
       <p:sp>
         <p:nvSpPr>
-          <p:cNvPr id="157" name="Google Shape;157;p24"/>
+          <p:cNvPr id="158" name="Google Shape;158;p24"/>
           <p:cNvSpPr txBox="1"/>
           <p:nvPr>
             <p:ph idx="1" type="body"/>
@@ -9168,7 +9168,7 @@
       </p:sp>
       <p:sp>
         <p:nvSpPr>
-          <p:cNvPr id="158" name="Google Shape;158;p24"/>
+          <p:cNvPr id="159" name="Google Shape;159;p24"/>
           <p:cNvSpPr txBox="1"/>
           <p:nvPr>
             <p:ph idx="12" type="sldNum"/>
@@ -9252,7 +9252,7 @@
   <p:cSld>
     <p:spTree>
       <p:nvGrpSpPr>
-        <p:cNvPr id="162" name="Shape 162"/>
+        <p:cNvPr id="163" name="Shape 163"/>
         <p:cNvGrpSpPr/>
         <p:nvPr/>
       </p:nvGrpSpPr>
@@ -9266,7 +9266,7 @@
       </p:grpSpPr>
       <p:sp>
         <p:nvSpPr>
-          <p:cNvPr id="163" name="Google Shape;163;p25"/>
+          <p:cNvPr id="164" name="Google Shape;164;p25"/>
           <p:cNvSpPr txBox="1"/>
           <p:nvPr>
             <p:ph type="title"/>
@@ -9306,7 +9306,7 @@
       </p:sp>
       <p:sp>
         <p:nvSpPr>
-          <p:cNvPr id="164" name="Google Shape;164;p25"/>
+          <p:cNvPr id="165" name="Google Shape;165;p25"/>
           <p:cNvSpPr txBox="1"/>
           <p:nvPr>
             <p:ph idx="1" type="body"/>
@@ -9812,7 +9812,7 @@
       </p:sp>
       <p:sp>
         <p:nvSpPr>
-          <p:cNvPr id="165" name="Google Shape;165;p25"/>
+          <p:cNvPr id="166" name="Google Shape;166;p25"/>
           <p:cNvSpPr txBox="1"/>
           <p:nvPr>
             <p:ph idx="12" type="sldNum"/>
@@ -9896,7 +9896,7 @@
   <p:cSld>
     <p:spTree>
       <p:nvGrpSpPr>
-        <p:cNvPr id="169" name="Shape 169"/>
+        <p:cNvPr id="170" name="Shape 170"/>
         <p:cNvGrpSpPr/>
         <p:nvPr/>
       </p:nvGrpSpPr>
@@ -9910,7 +9910,7 @@
       </p:grpSpPr>
       <p:sp>
         <p:nvSpPr>
-          <p:cNvPr id="170" name="Google Shape;170;p26"/>
+          <p:cNvPr id="171" name="Google Shape;171;p26"/>
           <p:cNvSpPr txBox="1"/>
           <p:nvPr>
             <p:ph type="title"/>
@@ -9950,7 +9950,7 @@
       </p:sp>
       <p:sp>
         <p:nvSpPr>
-          <p:cNvPr id="171" name="Google Shape;171;p26"/>
+          <p:cNvPr id="172" name="Google Shape;172;p26"/>
           <p:cNvSpPr txBox="1"/>
           <p:nvPr>
             <p:ph idx="1" type="body"/>
@@ -10091,7 +10091,7 @@
       </p:sp>
       <p:sp>
         <p:nvSpPr>
-          <p:cNvPr id="172" name="Google Shape;172;p26"/>
+          <p:cNvPr id="173" name="Google Shape;173;p26"/>
           <p:cNvSpPr txBox="1"/>
           <p:nvPr>
             <p:ph idx="12" type="sldNum"/>
@@ -10437,7 +10437,7 @@
   <p:cSld>
     <p:spTree>
       <p:nvGrpSpPr>
-        <p:cNvPr id="176" name="Shape 176"/>
+        <p:cNvPr id="177" name="Shape 177"/>
         <p:cNvGrpSpPr/>
         <p:nvPr/>
       </p:nvGrpSpPr>
@@ -10451,7 +10451,7 @@
       </p:grpSpPr>
       <p:sp>
         <p:nvSpPr>
-          <p:cNvPr id="177" name="Google Shape;177;p27"/>
+          <p:cNvPr id="178" name="Google Shape;178;p27"/>
           <p:cNvSpPr txBox="1"/>
           <p:nvPr>
             <p:ph type="title"/>
@@ -10491,7 +10491,7 @@
       </p:sp>
       <p:sp>
         <p:nvSpPr>
-          <p:cNvPr id="178" name="Google Shape;178;p27"/>
+          <p:cNvPr id="179" name="Google Shape;179;p27"/>
           <p:cNvSpPr txBox="1"/>
           <p:nvPr>
             <p:ph idx="1" type="body"/>
@@ -10615,7 +10615,7 @@
       </p:sp>
       <p:sp>
         <p:nvSpPr>
-          <p:cNvPr id="179" name="Google Shape;179;p27"/>
+          <p:cNvPr id="180" name="Google Shape;180;p27"/>
           <p:cNvSpPr txBox="1"/>
           <p:nvPr>
             <p:ph idx="12" type="sldNum"/>
@@ -10699,7 +10699,7 @@
   <p:cSld>
     <p:spTree>
       <p:nvGrpSpPr>
-        <p:cNvPr id="183" name="Shape 183"/>
+        <p:cNvPr id="184" name="Shape 184"/>
         <p:cNvGrpSpPr/>
         <p:nvPr/>
       </p:nvGrpSpPr>
@@ -10713,7 +10713,7 @@
       </p:grpSpPr>
       <p:sp>
         <p:nvSpPr>
-          <p:cNvPr id="184" name="Google Shape;184;p28"/>
+          <p:cNvPr id="185" name="Google Shape;185;p28"/>
           <p:cNvSpPr txBox="1"/>
           <p:nvPr>
             <p:ph idx="1" type="body"/>
@@ -10888,7 +10888,7 @@
       </p:sp>
       <p:sp>
         <p:nvSpPr>
-          <p:cNvPr id="185" name="Google Shape;185;p28"/>
+          <p:cNvPr id="186" name="Google Shape;186;p28"/>
           <p:cNvSpPr txBox="1"/>
           <p:nvPr>
             <p:ph type="title"/>
@@ -10928,7 +10928,7 @@
       </p:sp>
       <p:sp>
         <p:nvSpPr>
-          <p:cNvPr id="186" name="Google Shape;186;p28"/>
+          <p:cNvPr id="187" name="Google Shape;187;p28"/>
           <p:cNvSpPr txBox="1"/>
           <p:nvPr>
             <p:ph idx="12" type="sldNum"/>
@@ -11012,7 +11012,7 @@
   <p:cSld>
     <p:spTree>
       <p:nvGrpSpPr>
-        <p:cNvPr id="190" name="Shape 190"/>
+        <p:cNvPr id="191" name="Shape 191"/>
         <p:cNvGrpSpPr/>
         <p:nvPr/>
       </p:nvGrpSpPr>
@@ -11026,7 +11026,7 @@
       </p:grpSpPr>
       <p:sp>
         <p:nvSpPr>
-          <p:cNvPr id="191" name="Google Shape;191;p29"/>
+          <p:cNvPr id="192" name="Google Shape;192;p29"/>
           <p:cNvSpPr txBox="1"/>
           <p:nvPr>
             <p:ph idx="1" type="body"/>
@@ -11186,7 +11186,7 @@
       </p:sp>
       <p:sp>
         <p:nvSpPr>
-          <p:cNvPr id="192" name="Google Shape;192;p29"/>
+          <p:cNvPr id="193" name="Google Shape;193;p29"/>
           <p:cNvSpPr txBox="1"/>
           <p:nvPr>
             <p:ph type="title"/>
@@ -11230,7 +11230,7 @@
       </p:sp>
       <p:sp>
         <p:nvSpPr>
-          <p:cNvPr id="193" name="Google Shape;193;p29"/>
+          <p:cNvPr id="194" name="Google Shape;194;p29"/>
           <p:cNvSpPr txBox="1"/>
           <p:nvPr>
             <p:ph idx="12" type="sldNum"/>
@@ -11314,7 +11314,7 @@
   <p:cSld>
     <p:spTree>
       <p:nvGrpSpPr>
-        <p:cNvPr id="197" name="Shape 197"/>
+        <p:cNvPr id="198" name="Shape 198"/>
         <p:cNvGrpSpPr/>
         <p:nvPr/>
       </p:nvGrpSpPr>
@@ -11328,7 +11328,7 @@
       </p:grpSpPr>
       <p:sp>
         <p:nvSpPr>
-          <p:cNvPr id="198" name="Google Shape;198;p30"/>
+          <p:cNvPr id="199" name="Google Shape;199;p30"/>
           <p:cNvSpPr txBox="1"/>
           <p:nvPr>
             <p:ph type="title"/>
@@ -11368,7 +11368,7 @@
       </p:sp>
       <p:sp>
         <p:nvSpPr>
-          <p:cNvPr id="199" name="Google Shape;199;p30"/>
+          <p:cNvPr id="200" name="Google Shape;200;p30"/>
           <p:cNvSpPr txBox="1"/>
           <p:nvPr>
             <p:ph idx="1" type="body"/>
@@ -11517,7 +11517,7 @@
       </p:sp>
       <p:sp>
         <p:nvSpPr>
-          <p:cNvPr id="200" name="Google Shape;200;p30"/>
+          <p:cNvPr id="201" name="Google Shape;201;p30"/>
           <p:cNvSpPr txBox="1"/>
           <p:nvPr>
             <p:ph idx="12" type="sldNum"/>
@@ -11601,7 +11601,7 @@
   <p:cSld>
     <p:spTree>
       <p:nvGrpSpPr>
-        <p:cNvPr id="204" name="Shape 204"/>
+        <p:cNvPr id="205" name="Shape 205"/>
         <p:cNvGrpSpPr/>
         <p:nvPr/>
       </p:nvGrpSpPr>
@@ -11615,7 +11615,7 @@
       </p:grpSpPr>
       <p:sp>
         <p:nvSpPr>
-          <p:cNvPr id="205" name="Google Shape;205;p31"/>
+          <p:cNvPr id="206" name="Google Shape;206;p31"/>
           <p:cNvSpPr txBox="1"/>
           <p:nvPr>
             <p:ph type="ctrTitle"/>
@@ -11655,7 +11655,7 @@
       </p:sp>
       <p:sp>
         <p:nvSpPr>
-          <p:cNvPr id="206" name="Google Shape;206;p31"/>
+          <p:cNvPr id="207" name="Google Shape;207;p31"/>
           <p:cNvSpPr txBox="1"/>
           <p:nvPr>
             <p:ph idx="1" type="subTitle"/>
@@ -11738,7 +11738,7 @@
   <p:cSld>
     <p:spTree>
       <p:nvGrpSpPr>
-        <p:cNvPr id="210" name="Shape 210"/>
+        <p:cNvPr id="211" name="Shape 211"/>
         <p:cNvGrpSpPr/>
         <p:nvPr/>
       </p:nvGrpSpPr>
@@ -11752,7 +11752,7 @@
       </p:grpSpPr>
       <p:sp>
         <p:nvSpPr>
-          <p:cNvPr id="211" name="Google Shape;211;p32"/>
+          <p:cNvPr id="212" name="Google Shape;212;p32"/>
           <p:cNvSpPr txBox="1"/>
           <p:nvPr>
             <p:ph type="title"/>
@@ -11792,7 +11792,7 @@
       </p:sp>
       <p:sp>
         <p:nvSpPr>
-          <p:cNvPr id="212" name="Google Shape;212;p32"/>
+          <p:cNvPr id="213" name="Google Shape;213;p32"/>
           <p:cNvSpPr txBox="1"/>
           <p:nvPr>
             <p:ph idx="12" type="sldNum"/>
@@ -11865,7 +11865,7 @@
       </p:sp>
       <p:sp>
         <p:nvSpPr>
-          <p:cNvPr id="213" name="Google Shape;213;p32"/>
+          <p:cNvPr id="214" name="Google Shape;214;p32"/>
           <p:cNvSpPr txBox="1"/>
           <p:nvPr>
             <p:ph idx="1" type="body"/>
@@ -11960,7 +11960,22 @@
             </a:pPr>
             <a:r>
               <a:rPr lang="en"/>
-              <a:t>© 2024 Johannes Jablonski, some rights reserved</a:t>
+              <a:t>© 2025 Dirk Riehle, some rights reserved</a:t>
+            </a:r>
+            <a:endParaRPr/>
+          </a:p>
+          <a:p>
+            <a:pPr indent="0" lvl="0" marL="0" rtl="0" algn="l">
+              <a:spcBef>
+                <a:spcPts val="1200"/>
+              </a:spcBef>
+              <a:spcAft>
+                <a:spcPts val="0"/>
+              </a:spcAft>
+              <a:buNone/>
+            </a:pPr>
+            <a:r>
+              <a:t/>
             </a:r>
             <a:endParaRPr/>
           </a:p>
@@ -12178,7 +12193,7 @@
             </a:pPr>
             <a:r>
               <a:rPr lang="en"/>
-              <a:t>File names e.g. “/usr/bin/tool” or “\user\dirkr\tools”</a:t>
+              <a:t>File names e.g. “/usr/bin/tool” or “dirkr\tools\vscode”</a:t>
             </a:r>
             <a:endParaRPr/>
           </a:p>
@@ -12245,7 +12260,7 @@
             </a:pPr>
             <a:r>
               <a:rPr lang="en"/>
-              <a:t>The programming homework is to implement homogenous name classses</a:t>
+              <a:t>The programming homework is to implement homogenous name classes</a:t>
             </a:r>
             <a:endParaRPr/>
           </a:p>
@@ -12498,13 +12513,28 @@
                 <a:spcPts val="1200"/>
               </a:spcBef>
               <a:spcAft>
+                <a:spcPts val="0"/>
+              </a:spcAft>
+              <a:buNone/>
+            </a:pPr>
+            <a:r>
+              <a:rPr lang="en"/>
+              <a:t>The printed domain name oss.cs.fau.de uses ‘.’ to separate four components</a:t>
+            </a:r>
+            <a:endParaRPr/>
+          </a:p>
+          <a:p>
+            <a:pPr indent="0" lvl="0" marL="0" rtl="0" algn="l">
+              <a:spcBef>
                 <a:spcPts val="1200"/>
-              </a:spcAft>
-              <a:buNone/>
-            </a:pPr>
-            <a:r>
-              <a:rPr lang="en"/>
-              <a:t>Delimiter characters inside of printed name components need to be escaped</a:t>
+              </a:spcBef>
+              <a:spcAft>
+                <a:spcPts val="1200"/>
+              </a:spcAft>
+              <a:buNone/>
+            </a:pPr>
+            <a:r>
+              <a:t/>
             </a:r>
             <a:endParaRPr/>
           </a:p>
@@ -12682,7 +12712,7 @@
             </a:pPr>
             <a:r>
               <a:rPr lang="en"/>
-              <a:t>An escape character marks the following character as to-use verbatim</a:t>
+              <a:t>An escape character marks the following character as to-use verbatim [1]</a:t>
             </a:r>
             <a:endParaRPr/>
           </a:p>
@@ -12715,6 +12745,22 @@
             <a:r>
               <a:rPr lang="en"/>
               <a:t>This homework only knows two special characters: Delimiter and escape</a:t>
+            </a:r>
+            <a:endParaRPr/>
+          </a:p>
+          <a:p>
+            <a:pPr indent="0" lvl="0" marL="0" rtl="0" algn="l">
+              <a:spcBef>
+                <a:spcPts val="1200"/>
+              </a:spcBef>
+              <a:spcAft>
+                <a:spcPts val="0"/>
+              </a:spcAft>
+              <a:buNone/>
+            </a:pPr>
+            <a:r>
+              <a:rPr lang="en"/>
+              <a:t>The escape character is fixed (‘\’), the delimiter character is not</a:t>
             </a:r>
             <a:endParaRPr/>
           </a:p>
@@ -12808,6 +12854,61 @@
           </a:p>
         </p:txBody>
       </p:sp>
+      <p:sp>
+        <p:nvSpPr>
+          <p:cNvPr id="86" name="Google Shape;86;p13"/>
+          <p:cNvSpPr txBox="1"/>
+          <p:nvPr/>
+        </p:nvSpPr>
+        <p:spPr>
+          <a:xfrm>
+            <a:off x="0" y="4233672"/>
+            <a:ext cx="7315200" cy="914400"/>
+          </a:xfrm>
+          <a:prstGeom prst="rect">
+            <a:avLst/>
+          </a:prstGeom>
+          <a:noFill/>
+          <a:ln>
+            <a:noFill/>
+          </a:ln>
+        </p:spPr>
+        <p:txBody>
+          <a:bodyPr anchorCtr="0" anchor="b" bIns="91425" lIns="91425" spcFirstLastPara="1" rIns="91425" wrap="square" tIns="91425">
+            <a:noAutofit/>
+          </a:bodyPr>
+          <a:lstStyle/>
+          <a:p>
+            <a:pPr indent="0" lvl="0" marL="0" rtl="0" algn="l">
+              <a:spcBef>
+                <a:spcPts val="0"/>
+              </a:spcBef>
+              <a:spcAft>
+                <a:spcPts val="0"/>
+              </a:spcAft>
+              <a:buNone/>
+            </a:pPr>
+            <a:r>
+              <a:rPr lang="en"/>
+              <a:t>[1] See </a:t>
+            </a:r>
+            <a:r>
+              <a:rPr lang="en" u="sng">
+                <a:solidFill>
+                  <a:schemeClr val="hlink"/>
+                </a:solidFill>
+                <a:hlinkClick r:id="rId4"/>
+              </a:rPr>
+              <a:t>https://en.wikipedia.org/wiki/Escape_character</a:t>
+            </a:r>
+            <a:r>
+              <a:rPr lang="en"/>
+              <a:t> </a:t>
+            </a:r>
+            <a:endParaRPr/>
+          </a:p>
+        </p:txBody>
+      </p:sp>
     </p:spTree>
   </p:cSld>
   <p:clrMapOvr>
@@ -12821,7 +12922,7 @@
   <p:cSld>
     <p:spTree>
       <p:nvGrpSpPr>
-        <p:cNvPr id="89" name="Shape 89"/>
+        <p:cNvPr id="90" name="Shape 90"/>
         <p:cNvGrpSpPr/>
         <p:nvPr/>
       </p:nvGrpSpPr>
@@ -12835,7 +12936,7 @@
       </p:grpSpPr>
       <p:sp>
         <p:nvSpPr>
-          <p:cNvPr id="90" name="Google Shape;90;p14"/>
+          <p:cNvPr id="91" name="Google Shape;91;p14"/>
           <p:cNvSpPr txBox="1"/>
           <p:nvPr>
             <p:ph type="title"/>
@@ -12886,7 +12987,7 @@
   <p:cSld>
     <p:spTree>
       <p:nvGrpSpPr>
-        <p:cNvPr id="94" name="Shape 94"/>
+        <p:cNvPr id="95" name="Shape 95"/>
         <p:cNvGrpSpPr/>
         <p:nvPr/>
       </p:nvGrpSpPr>
@@ -12900,7 +13001,7 @@
       </p:grpSpPr>
       <p:sp>
         <p:nvSpPr>
-          <p:cNvPr id="95" name="Google Shape;95;p15"/>
+          <p:cNvPr id="96" name="Google Shape;96;p15"/>
           <p:cNvSpPr txBox="1"/>
           <p:nvPr>
             <p:ph type="title"/>
@@ -12940,7 +13041,7 @@
       </p:sp>
       <p:sp>
         <p:nvSpPr>
-          <p:cNvPr id="96" name="Google Shape;96;p15"/>
+          <p:cNvPr id="97" name="Google Shape;97;p15"/>
           <p:cNvSpPr txBox="1"/>
           <p:nvPr>
             <p:ph idx="1" type="body"/>
@@ -12972,7 +13073,7 @@
             </a:pPr>
             <a:r>
               <a:rPr lang="en"/>
-              <a:t>All programming homework is in </a:t>
+              <a:t>The source homework repository is </a:t>
             </a:r>
             <a:r>
               <a:rPr lang="en" u="sng">
@@ -12996,10 +13097,10 @@
               <a:buNone/>
             </a:pPr>
             <a:r>
-              <a:rPr lang="en"/>
-              <a:t>Fork this repository to your own account; set the repository to public</a:t>
-            </a:r>
-            <a:endParaRPr/>
+              <a:rPr b="1" lang="en"/>
+              <a:t>Fork this repository to your own account and set the repository to public</a:t>
+            </a:r>
+            <a:endParaRPr b="1"/>
           </a:p>
           <a:p>
             <a:pPr indent="-342900" lvl="0" marL="457200" rtl="0" algn="l">
@@ -13073,7 +13174,7 @@
       </p:sp>
       <p:sp>
         <p:nvSpPr>
-          <p:cNvPr id="97" name="Google Shape;97;p15"/>
+          <p:cNvPr id="98" name="Google Shape;98;p15"/>
           <p:cNvSpPr txBox="1"/>
           <p:nvPr>
             <p:ph idx="12" type="sldNum"/>
@@ -13157,7 +13258,7 @@
   <p:cSld>
     <p:spTree>
       <p:nvGrpSpPr>
-        <p:cNvPr id="101" name="Shape 101"/>
+        <p:cNvPr id="102" name="Shape 102"/>
         <p:cNvGrpSpPr/>
         <p:nvPr/>
       </p:nvGrpSpPr>
@@ -13171,7 +13272,7 @@
       </p:grpSpPr>
       <p:sp>
         <p:nvSpPr>
-          <p:cNvPr id="102" name="Google Shape;102;p16"/>
+          <p:cNvPr id="103" name="Google Shape;103;p16"/>
           <p:cNvSpPr txBox="1"/>
           <p:nvPr>
             <p:ph type="title"/>
@@ -13211,7 +13312,7 @@
       </p:sp>
       <p:sp>
         <p:nvSpPr>
-          <p:cNvPr id="103" name="Google Shape;103;p16"/>
+          <p:cNvPr id="104" name="Google Shape;104;p16"/>
           <p:cNvSpPr txBox="1"/>
           <p:nvPr>
             <p:ph idx="1" type="body"/>
@@ -13379,7 +13480,7 @@
       </p:sp>
       <p:sp>
         <p:nvSpPr>
-          <p:cNvPr id="104" name="Google Shape;104;p16"/>
+          <p:cNvPr id="105" name="Google Shape;105;p16"/>
           <p:cNvSpPr txBox="1"/>
           <p:nvPr>
             <p:ph idx="12" type="sldNum"/>

--- a/Lecture slides/ADAP A03 - Homework.pptx
+++ b/Lecture slides/ADAP A03 - Homework.pptx
@@ -33,6 +33,7 @@
     <p:sldId id="278" r:id="rId28"/>
     <p:sldId id="279" r:id="rId29"/>
     <p:sldId id="280" r:id="rId30"/>
+    <p:sldId id="281" r:id="rId31"/>
   </p:sldIdLst>
   <p:sldSz cy="5143500" cx="9144000"/>
   <p:notesSz cx="6858000" cy="9144000"/>
@@ -814,7 +815,7 @@
   <p:cSld>
     <p:spTree>
       <p:nvGrpSpPr>
-        <p:cNvPr id="106" name="Shape 106"/>
+        <p:cNvPr id="107" name="Shape 107"/>
         <p:cNvGrpSpPr/>
         <p:nvPr/>
       </p:nvGrpSpPr>
@@ -828,7 +829,7 @@
       </p:grpSpPr>
       <p:sp>
         <p:nvSpPr>
-          <p:cNvPr id="107" name="Google Shape;107;g2fe02fb2832_0_0:notes"/>
+          <p:cNvPr id="108" name="Google Shape;108;g2fe02fb2832_0_0:notes"/>
           <p:cNvSpPr/>
           <p:nvPr>
             <p:ph idx="2" type="sldImg"/>
@@ -863,7 +864,7 @@
       </p:sp>
       <p:sp>
         <p:nvSpPr>
-          <p:cNvPr id="108" name="Google Shape;108;g2fe02fb2832_0_0:notes"/>
+          <p:cNvPr id="109" name="Google Shape;109;g2fe02fb2832_0_0:notes"/>
           <p:cNvSpPr txBox="1"/>
           <p:nvPr>
             <p:ph idx="1" type="body"/>
@@ -913,7 +914,7 @@
   <p:cSld>
     <p:spTree>
       <p:nvGrpSpPr>
-        <p:cNvPr id="113" name="Shape 113"/>
+        <p:cNvPr id="114" name="Shape 114"/>
         <p:cNvGrpSpPr/>
         <p:nvPr/>
       </p:nvGrpSpPr>
@@ -927,7 +928,7 @@
       </p:grpSpPr>
       <p:sp>
         <p:nvSpPr>
-          <p:cNvPr id="114" name="Google Shape;114;g39b7a43ba29_1_29:notes"/>
+          <p:cNvPr id="115" name="Google Shape;115;g39b7a43ba29_1_29:notes"/>
           <p:cNvSpPr/>
           <p:nvPr>
             <p:ph idx="2" type="sldImg"/>
@@ -962,7 +963,7 @@
       </p:sp>
       <p:sp>
         <p:nvSpPr>
-          <p:cNvPr id="115" name="Google Shape;115;g39b7a43ba29_1_29:notes"/>
+          <p:cNvPr id="116" name="Google Shape;116;g39b7a43ba29_1_29:notes"/>
           <p:cNvSpPr txBox="1"/>
           <p:nvPr>
             <p:ph idx="1" type="body"/>
@@ -1012,7 +1013,7 @@
   <p:cSld>
     <p:spTree>
       <p:nvGrpSpPr>
-        <p:cNvPr id="120" name="Shape 120"/>
+        <p:cNvPr id="121" name="Shape 121"/>
         <p:cNvGrpSpPr/>
         <p:nvPr/>
       </p:nvGrpSpPr>
@@ -1026,7 +1027,7 @@
       </p:grpSpPr>
       <p:sp>
         <p:nvSpPr>
-          <p:cNvPr id="121" name="Google Shape;121;g302671db11d_0_32:notes"/>
+          <p:cNvPr id="122" name="Google Shape;122;g302671db11d_0_32:notes"/>
           <p:cNvSpPr/>
           <p:nvPr>
             <p:ph idx="2" type="sldImg"/>
@@ -1061,7 +1062,7 @@
       </p:sp>
       <p:sp>
         <p:nvSpPr>
-          <p:cNvPr id="122" name="Google Shape;122;g302671db11d_0_32:notes"/>
+          <p:cNvPr id="123" name="Google Shape;123;g302671db11d_0_32:notes"/>
           <p:cNvSpPr txBox="1"/>
           <p:nvPr>
             <p:ph idx="1" type="body"/>
@@ -1111,7 +1112,7 @@
   <p:cSld>
     <p:spTree>
       <p:nvGrpSpPr>
-        <p:cNvPr id="127" name="Shape 127"/>
+        <p:cNvPr id="128" name="Shape 128"/>
         <p:cNvGrpSpPr/>
         <p:nvPr/>
       </p:nvGrpSpPr>
@@ -1125,7 +1126,7 @@
       </p:grpSpPr>
       <p:sp>
         <p:nvSpPr>
-          <p:cNvPr id="128" name="Google Shape;128;g302671db11d_0_72:notes"/>
+          <p:cNvPr id="129" name="Google Shape;129;g302671db11d_0_72:notes"/>
           <p:cNvSpPr/>
           <p:nvPr>
             <p:ph idx="2" type="sldImg"/>
@@ -1160,7 +1161,7 @@
       </p:sp>
       <p:sp>
         <p:nvSpPr>
-          <p:cNvPr id="129" name="Google Shape;129;g302671db11d_0_72:notes"/>
+          <p:cNvPr id="130" name="Google Shape;130;g302671db11d_0_72:notes"/>
           <p:cNvSpPr txBox="1"/>
           <p:nvPr>
             <p:ph idx="1" type="body"/>
@@ -1210,7 +1211,7 @@
   <p:cSld>
     <p:spTree>
       <p:nvGrpSpPr>
-        <p:cNvPr id="134" name="Shape 134"/>
+        <p:cNvPr id="135" name="Shape 135"/>
         <p:cNvGrpSpPr/>
         <p:nvPr/>
       </p:nvGrpSpPr>
@@ -1224,7 +1225,7 @@
       </p:grpSpPr>
       <p:sp>
         <p:nvSpPr>
-          <p:cNvPr id="135" name="Google Shape;135;g39b7a43ba29_1_35:notes"/>
+          <p:cNvPr id="136" name="Google Shape;136;g39b7a43ba29_1_35:notes"/>
           <p:cNvSpPr/>
           <p:nvPr>
             <p:ph idx="2" type="sldImg"/>
@@ -1259,7 +1260,7 @@
       </p:sp>
       <p:sp>
         <p:nvSpPr>
-          <p:cNvPr id="136" name="Google Shape;136;g39b7a43ba29_1_35:notes"/>
+          <p:cNvPr id="137" name="Google Shape;137;g39b7a43ba29_1_35:notes"/>
           <p:cNvSpPr txBox="1"/>
           <p:nvPr>
             <p:ph idx="1" type="body"/>
@@ -1309,7 +1310,7 @@
   <p:cSld>
     <p:spTree>
       <p:nvGrpSpPr>
-        <p:cNvPr id="141" name="Shape 141"/>
+        <p:cNvPr id="142" name="Shape 142"/>
         <p:cNvGrpSpPr/>
         <p:nvPr/>
       </p:nvGrpSpPr>
@@ -1323,7 +1324,7 @@
       </p:grpSpPr>
       <p:sp>
         <p:nvSpPr>
-          <p:cNvPr id="142" name="Google Shape;142;g302671db11d_0_91:notes"/>
+          <p:cNvPr id="143" name="Google Shape;143;g302671db11d_0_91:notes"/>
           <p:cNvSpPr/>
           <p:nvPr>
             <p:ph idx="2" type="sldImg"/>
@@ -1358,7 +1359,7 @@
       </p:sp>
       <p:sp>
         <p:nvSpPr>
-          <p:cNvPr id="143" name="Google Shape;143;g302671db11d_0_91:notes"/>
+          <p:cNvPr id="144" name="Google Shape;144;g302671db11d_0_91:notes"/>
           <p:cNvSpPr txBox="1"/>
           <p:nvPr>
             <p:ph idx="1" type="body"/>
@@ -1408,7 +1409,7 @@
   <p:cSld>
     <p:spTree>
       <p:nvGrpSpPr>
-        <p:cNvPr id="148" name="Shape 148"/>
+        <p:cNvPr id="149" name="Shape 149"/>
         <p:cNvGrpSpPr/>
         <p:nvPr/>
       </p:nvGrpSpPr>
@@ -1422,7 +1423,7 @@
       </p:grpSpPr>
       <p:sp>
         <p:nvSpPr>
-          <p:cNvPr id="149" name="Google Shape;149;g302671db11d_0_40:notes"/>
+          <p:cNvPr id="150" name="Google Shape;150;g302671db11d_0_40:notes"/>
           <p:cNvSpPr/>
           <p:nvPr>
             <p:ph idx="2" type="sldImg"/>
@@ -1457,7 +1458,7 @@
       </p:sp>
       <p:sp>
         <p:nvSpPr>
-          <p:cNvPr id="150" name="Google Shape;150;g302671db11d_0_40:notes"/>
+          <p:cNvPr id="151" name="Google Shape;151;g302671db11d_0_40:notes"/>
           <p:cNvSpPr txBox="1"/>
           <p:nvPr>
             <p:ph idx="1" type="body"/>
@@ -1507,7 +1508,7 @@
   <p:cSld>
     <p:spTree>
       <p:nvGrpSpPr>
-        <p:cNvPr id="153" name="Shape 153"/>
+        <p:cNvPr id="154" name="Shape 154"/>
         <p:cNvGrpSpPr/>
         <p:nvPr/>
       </p:nvGrpSpPr>
@@ -1521,7 +1522,7 @@
       </p:grpSpPr>
       <p:sp>
         <p:nvSpPr>
-          <p:cNvPr id="154" name="Google Shape;154;g39b7a43ba29_1_47:notes"/>
+          <p:cNvPr id="155" name="Google Shape;155;g39b7a43ba29_1_47:notes"/>
           <p:cNvSpPr/>
           <p:nvPr>
             <p:ph idx="2" type="sldImg"/>
@@ -1556,7 +1557,7 @@
       </p:sp>
       <p:sp>
         <p:nvSpPr>
-          <p:cNvPr id="155" name="Google Shape;155;g39b7a43ba29_1_47:notes"/>
+          <p:cNvPr id="156" name="Google Shape;156;g39b7a43ba29_1_47:notes"/>
           <p:cNvSpPr txBox="1"/>
           <p:nvPr>
             <p:ph idx="1" type="body"/>
@@ -1606,7 +1607,7 @@
   <p:cSld>
     <p:spTree>
       <p:nvGrpSpPr>
-        <p:cNvPr id="160" name="Shape 160"/>
+        <p:cNvPr id="161" name="Shape 161"/>
         <p:cNvGrpSpPr/>
         <p:nvPr/>
       </p:nvGrpSpPr>
@@ -1620,7 +1621,7 @@
       </p:grpSpPr>
       <p:sp>
         <p:nvSpPr>
-          <p:cNvPr id="161" name="Google Shape;161;g39b7a43ba29_1_57:notes"/>
+          <p:cNvPr id="162" name="Google Shape;162;g39b7a43ba29_1_57:notes"/>
           <p:cNvSpPr/>
           <p:nvPr>
             <p:ph idx="2" type="sldImg"/>
@@ -1655,7 +1656,7 @@
       </p:sp>
       <p:sp>
         <p:nvSpPr>
-          <p:cNvPr id="162" name="Google Shape;162;g39b7a43ba29_1_57:notes"/>
+          <p:cNvPr id="163" name="Google Shape;163;g39b7a43ba29_1_57:notes"/>
           <p:cNvSpPr txBox="1"/>
           <p:nvPr>
             <p:ph idx="1" type="body"/>
@@ -1705,7 +1706,7 @@
   <p:cSld>
     <p:spTree>
       <p:nvGrpSpPr>
-        <p:cNvPr id="167" name="Shape 167"/>
+        <p:cNvPr id="168" name="Shape 168"/>
         <p:cNvGrpSpPr/>
         <p:nvPr/>
       </p:nvGrpSpPr>
@@ -1719,7 +1720,7 @@
       </p:grpSpPr>
       <p:sp>
         <p:nvSpPr>
-          <p:cNvPr id="168" name="Google Shape;168;g39b7a43ba29_1_105:notes"/>
+          <p:cNvPr id="169" name="Google Shape;169;g39b7a43ba29_1_105:notes"/>
           <p:cNvSpPr/>
           <p:nvPr>
             <p:ph idx="2" type="sldImg"/>
@@ -1754,7 +1755,7 @@
       </p:sp>
       <p:sp>
         <p:nvSpPr>
-          <p:cNvPr id="169" name="Google Shape;169;g39b7a43ba29_1_105:notes"/>
+          <p:cNvPr id="170" name="Google Shape;170;g39b7a43ba29_1_105:notes"/>
           <p:cNvSpPr txBox="1"/>
           <p:nvPr>
             <p:ph idx="1" type="body"/>
@@ -1903,7 +1904,7 @@
   <p:cSld>
     <p:spTree>
       <p:nvGrpSpPr>
-        <p:cNvPr id="174" name="Shape 174"/>
+        <p:cNvPr id="175" name="Shape 175"/>
         <p:cNvGrpSpPr/>
         <p:nvPr/>
       </p:nvGrpSpPr>
@@ -1917,7 +1918,7 @@
       </p:grpSpPr>
       <p:sp>
         <p:nvSpPr>
-          <p:cNvPr id="175" name="Google Shape;175;g39b7a43ba29_1_153:notes"/>
+          <p:cNvPr id="176" name="Google Shape;176;g39b7a43ba29_1_153:notes"/>
           <p:cNvSpPr/>
           <p:nvPr>
             <p:ph idx="2" type="sldImg"/>
@@ -1952,7 +1953,7 @@
       </p:sp>
       <p:sp>
         <p:nvSpPr>
-          <p:cNvPr id="176" name="Google Shape;176;g39b7a43ba29_1_153:notes"/>
+          <p:cNvPr id="177" name="Google Shape;177;g39b7a43ba29_1_153:notes"/>
           <p:cNvSpPr txBox="1"/>
           <p:nvPr>
             <p:ph idx="1" type="body"/>
@@ -2002,7 +2003,7 @@
   <p:cSld>
     <p:spTree>
       <p:nvGrpSpPr>
-        <p:cNvPr id="181" name="Shape 181"/>
+        <p:cNvPr id="182" name="Shape 182"/>
         <p:cNvGrpSpPr/>
         <p:nvPr/>
       </p:nvGrpSpPr>
@@ -2016,7 +2017,7 @@
       </p:grpSpPr>
       <p:sp>
         <p:nvSpPr>
-          <p:cNvPr id="182" name="Google Shape;182;g39b7a43ba29_1_201:notes"/>
+          <p:cNvPr id="183" name="Google Shape;183;g39b7a43ba29_1_201:notes"/>
           <p:cNvSpPr/>
           <p:nvPr>
             <p:ph idx="2" type="sldImg"/>
@@ -2051,7 +2052,7 @@
       </p:sp>
       <p:sp>
         <p:nvSpPr>
-          <p:cNvPr id="183" name="Google Shape;183;g39b7a43ba29_1_201:notes"/>
+          <p:cNvPr id="184" name="Google Shape;184;g39b7a43ba29_1_201:notes"/>
           <p:cNvSpPr txBox="1"/>
           <p:nvPr>
             <p:ph idx="1" type="body"/>
@@ -2101,7 +2102,7 @@
   <p:cSld>
     <p:spTree>
       <p:nvGrpSpPr>
-        <p:cNvPr id="188" name="Shape 188"/>
+        <p:cNvPr id="189" name="Shape 189"/>
         <p:cNvGrpSpPr/>
         <p:nvPr/>
       </p:nvGrpSpPr>
@@ -2115,7 +2116,7 @@
       </p:grpSpPr>
       <p:sp>
         <p:nvSpPr>
-          <p:cNvPr id="189" name="Google Shape;189;g39b7a43ba29_1_249:notes"/>
+          <p:cNvPr id="190" name="Google Shape;190;g39b7a43ba29_1_249:notes"/>
           <p:cNvSpPr/>
           <p:nvPr>
             <p:ph idx="2" type="sldImg"/>
@@ -2150,7 +2151,7 @@
       </p:sp>
       <p:sp>
         <p:nvSpPr>
-          <p:cNvPr id="190" name="Google Shape;190;g39b7a43ba29_1_249:notes"/>
+          <p:cNvPr id="191" name="Google Shape;191;g39b7a43ba29_1_249:notes"/>
           <p:cNvSpPr txBox="1"/>
           <p:nvPr>
             <p:ph idx="1" type="body"/>
@@ -2200,7 +2201,7 @@
   <p:cSld>
     <p:spTree>
       <p:nvGrpSpPr>
-        <p:cNvPr id="195" name="Shape 195"/>
+        <p:cNvPr id="196" name="Shape 196"/>
         <p:cNvGrpSpPr/>
         <p:nvPr/>
       </p:nvGrpSpPr>
@@ -2214,7 +2215,7 @@
       </p:grpSpPr>
       <p:sp>
         <p:nvSpPr>
-          <p:cNvPr id="196" name="Google Shape;196;g39b7a43ba29_1_297:notes"/>
+          <p:cNvPr id="197" name="Google Shape;197;g39b7a43ba29_1_297:notes"/>
           <p:cNvSpPr/>
           <p:nvPr>
             <p:ph idx="2" type="sldImg"/>
@@ -2249,7 +2250,7 @@
       </p:sp>
       <p:sp>
         <p:nvSpPr>
-          <p:cNvPr id="197" name="Google Shape;197;g39b7a43ba29_1_297:notes"/>
+          <p:cNvPr id="198" name="Google Shape;198;g39b7a43ba29_1_297:notes"/>
           <p:cNvSpPr txBox="1"/>
           <p:nvPr>
             <p:ph idx="1" type="body"/>
@@ -2299,7 +2300,7 @@
   <p:cSld>
     <p:spTree>
       <p:nvGrpSpPr>
-        <p:cNvPr id="202" name="Shape 202"/>
+        <p:cNvPr id="203" name="Shape 203"/>
         <p:cNvGrpSpPr/>
         <p:nvPr/>
       </p:nvGrpSpPr>
@@ -2313,7 +2314,7 @@
       </p:grpSpPr>
       <p:sp>
         <p:nvSpPr>
-          <p:cNvPr id="203" name="Google Shape;203;g239609b2c0c_0_42:notes"/>
+          <p:cNvPr id="204" name="Google Shape;204;g3b46acc0352_0_1:notes"/>
           <p:cNvSpPr/>
           <p:nvPr>
             <p:ph idx="2" type="sldImg"/>
@@ -2348,7 +2349,7 @@
       </p:sp>
       <p:sp>
         <p:nvSpPr>
-          <p:cNvPr id="204" name="Google Shape;204;g239609b2c0c_0_42:notes"/>
+          <p:cNvPr id="205" name="Google Shape;205;g3b46acc0352_0_1:notes"/>
           <p:cNvSpPr txBox="1"/>
           <p:nvPr>
             <p:ph idx="1" type="body"/>
@@ -2398,7 +2399,7 @@
   <p:cSld>
     <p:spTree>
       <p:nvGrpSpPr>
-        <p:cNvPr id="208" name="Shape 208"/>
+        <p:cNvPr id="210" name="Shape 210"/>
         <p:cNvGrpSpPr/>
         <p:nvPr/>
       </p:nvGrpSpPr>
@@ -2412,7 +2413,7 @@
       </p:grpSpPr>
       <p:sp>
         <p:nvSpPr>
-          <p:cNvPr id="209" name="Google Shape;209;g239609b2c0c_0_47:notes"/>
+          <p:cNvPr id="211" name="Google Shape;211;g239609b2c0c_0_42:notes"/>
           <p:cNvSpPr/>
           <p:nvPr>
             <p:ph idx="2" type="sldImg"/>
@@ -2447,7 +2448,106 @@
       </p:sp>
       <p:sp>
         <p:nvSpPr>
-          <p:cNvPr id="210" name="Google Shape;210;g239609b2c0c_0_47:notes"/>
+          <p:cNvPr id="212" name="Google Shape;212;g239609b2c0c_0_42:notes"/>
+          <p:cNvSpPr txBox="1"/>
+          <p:nvPr>
+            <p:ph idx="1" type="body"/>
+          </p:nvPr>
+        </p:nvSpPr>
+        <p:spPr>
+          <a:xfrm>
+            <a:off x="685800" y="4343400"/>
+            <a:ext cx="5486400" cy="4114800"/>
+          </a:xfrm>
+          <a:prstGeom prst="rect">
+            <a:avLst/>
+          </a:prstGeom>
+        </p:spPr>
+        <p:txBody>
+          <a:bodyPr anchorCtr="0" anchor="t" bIns="91425" lIns="91425" spcFirstLastPara="1" rIns="91425" wrap="square" tIns="91425">
+            <a:noAutofit/>
+          </a:bodyPr>
+          <a:lstStyle/>
+          <a:p>
+            <a:pPr indent="0" lvl="0" marL="0" rtl="0" algn="l">
+              <a:spcBef>
+                <a:spcPts val="0"/>
+              </a:spcBef>
+              <a:spcAft>
+                <a:spcPts val="0"/>
+              </a:spcAft>
+              <a:buNone/>
+            </a:pPr>
+            <a:r>
+              <a:t/>
+            </a:r>
+            <a:endParaRPr/>
+          </a:p>
+        </p:txBody>
+      </p:sp>
+    </p:spTree>
+  </p:cSld>
+  <p:clrMapOvr>
+    <a:masterClrMapping/>
+  </p:clrMapOvr>
+</p:notes>
+</file>
+
+<file path=ppt/notesSlides/notesSlide26.xml><?xml version="1.0" encoding="utf-8"?>
+<p:notes xmlns:a="http://schemas.openxmlformats.org/drawingml/2006/main" xmlns:r="http://schemas.openxmlformats.org/officeDocument/2006/relationships" xmlns:mc="http://schemas.openxmlformats.org/markup-compatibility/2006" xmlns:mv="urn:schemas-microsoft-com:mac:vml" xmlns:p="http://schemas.openxmlformats.org/presentationml/2006/main" xmlns:c="http://schemas.openxmlformats.org/drawingml/2006/chart" xmlns:dgm="http://schemas.openxmlformats.org/drawingml/2006/diagram" xmlns:o="urn:schemas-microsoft-com:office:office" xmlns:v="urn:schemas-microsoft-com:vml" xmlns:pvml="urn:schemas-microsoft-com:office:powerpoint" xmlns:com="http://schemas.openxmlformats.org/drawingml/2006/compatibility" xmlns:p14="http://schemas.microsoft.com/office/powerpoint/2010/main" xmlns:p15="http://schemas.microsoft.com/office/powerpoint/2012/main" xmlns:ahyp="http://schemas.microsoft.com/office/drawing/2018/hyperlinkcolor" showMasterPhAnim="0" showMasterSp="0">
+  <p:cSld>
+    <p:spTree>
+      <p:nvGrpSpPr>
+        <p:cNvPr id="216" name="Shape 216"/>
+        <p:cNvGrpSpPr/>
+        <p:nvPr/>
+      </p:nvGrpSpPr>
+      <p:grpSpPr>
+        <a:xfrm>
+          <a:off x="0" y="0"/>
+          <a:ext cx="0" cy="0"/>
+          <a:chOff x="0" y="0"/>
+          <a:chExt cx="0" cy="0"/>
+        </a:xfrm>
+      </p:grpSpPr>
+      <p:sp>
+        <p:nvSpPr>
+          <p:cNvPr id="217" name="Google Shape;217;g239609b2c0c_0_47:notes"/>
+          <p:cNvSpPr/>
+          <p:nvPr>
+            <p:ph idx="2" type="sldImg"/>
+          </p:nvPr>
+        </p:nvSpPr>
+        <p:spPr>
+          <a:xfrm>
+            <a:off x="381300" y="685800"/>
+            <a:ext cx="6096000" cy="3429000"/>
+          </a:xfrm>
+          <a:custGeom>
+            <a:rect b="b" l="l" r="r" t="t"/>
+            <a:pathLst>
+              <a:path extrusionOk="0" h="120000" w="120000">
+                <a:moveTo>
+                  <a:pt x="0" y="0"/>
+                </a:moveTo>
+                <a:lnTo>
+                  <a:pt x="120000" y="0"/>
+                </a:lnTo>
+                <a:lnTo>
+                  <a:pt x="120000" y="120000"/>
+                </a:lnTo>
+                <a:lnTo>
+                  <a:pt x="0" y="120000"/>
+                </a:lnTo>
+                <a:close/>
+              </a:path>
+            </a:pathLst>
+          </a:custGeom>
+        </p:spPr>
+      </p:sp>
+      <p:sp>
+        <p:nvSpPr>
+          <p:cNvPr id="218" name="Google Shape;218;g239609b2c0c_0_47:notes"/>
           <p:cNvSpPr txBox="1"/>
           <p:nvPr>
             <p:ph idx="1" type="body"/>
@@ -3091,7 +3191,7 @@
   <p:cSld>
     <p:spTree>
       <p:nvGrpSpPr>
-        <p:cNvPr id="99" name="Shape 99"/>
+        <p:cNvPr id="100" name="Shape 100"/>
         <p:cNvGrpSpPr/>
         <p:nvPr/>
       </p:nvGrpSpPr>
@@ -3105,7 +3205,7 @@
       </p:grpSpPr>
       <p:sp>
         <p:nvSpPr>
-          <p:cNvPr id="100" name="Google Shape;100;g302671db11d_0_17:notes"/>
+          <p:cNvPr id="101" name="Google Shape;101;g302671db11d_0_17:notes"/>
           <p:cNvSpPr/>
           <p:nvPr>
             <p:ph idx="2" type="sldImg"/>
@@ -3140,7 +3240,7 @@
       </p:sp>
       <p:sp>
         <p:nvSpPr>
-          <p:cNvPr id="101" name="Google Shape;101;g302671db11d_0_17:notes"/>
+          <p:cNvPr id="102" name="Google Shape;102;g302671db11d_0_17:notes"/>
           <p:cNvSpPr txBox="1"/>
           <p:nvPr>
             <p:ph idx="1" type="body"/>
@@ -7120,7 +7220,7 @@
   <p:cSld>
     <p:spTree>
       <p:nvGrpSpPr>
-        <p:cNvPr id="109" name="Shape 109"/>
+        <p:cNvPr id="110" name="Shape 110"/>
         <p:cNvGrpSpPr/>
         <p:nvPr/>
       </p:nvGrpSpPr>
@@ -7134,7 +7234,7 @@
       </p:grpSpPr>
       <p:sp>
         <p:nvSpPr>
-          <p:cNvPr id="110" name="Google Shape;110;p17"/>
+          <p:cNvPr id="111" name="Google Shape;111;p17"/>
           <p:cNvSpPr txBox="1"/>
           <p:nvPr>
             <p:ph idx="1" type="body"/>
@@ -7422,7 +7522,7 @@
       </p:sp>
       <p:sp>
         <p:nvSpPr>
-          <p:cNvPr id="111" name="Google Shape;111;p17"/>
+          <p:cNvPr id="112" name="Google Shape;112;p17"/>
           <p:cNvSpPr txBox="1"/>
           <p:nvPr>
             <p:ph type="title"/>
@@ -7462,7 +7562,7 @@
       </p:sp>
       <p:sp>
         <p:nvSpPr>
-          <p:cNvPr id="112" name="Google Shape;112;p17"/>
+          <p:cNvPr id="113" name="Google Shape;113;p17"/>
           <p:cNvSpPr txBox="1"/>
           <p:nvPr>
             <p:ph idx="12" type="sldNum"/>
@@ -7546,7 +7646,7 @@
   <p:cSld>
     <p:spTree>
       <p:nvGrpSpPr>
-        <p:cNvPr id="116" name="Shape 116"/>
+        <p:cNvPr id="117" name="Shape 117"/>
         <p:cNvGrpSpPr/>
         <p:nvPr/>
       </p:nvGrpSpPr>
@@ -7560,7 +7660,7 @@
       </p:grpSpPr>
       <p:sp>
         <p:nvSpPr>
-          <p:cNvPr id="117" name="Google Shape;117;p18"/>
+          <p:cNvPr id="118" name="Google Shape;118;p18"/>
           <p:cNvSpPr txBox="1"/>
           <p:nvPr>
             <p:ph type="title"/>
@@ -7600,7 +7700,7 @@
       </p:sp>
       <p:sp>
         <p:nvSpPr>
-          <p:cNvPr id="118" name="Google Shape;118;p18"/>
+          <p:cNvPr id="119" name="Google Shape;119;p18"/>
           <p:cNvSpPr txBox="1"/>
           <p:nvPr>
             <p:ph idx="1" type="body"/>
@@ -7724,7 +7824,7 @@
       </p:sp>
       <p:sp>
         <p:nvSpPr>
-          <p:cNvPr id="119" name="Google Shape;119;p18"/>
+          <p:cNvPr id="120" name="Google Shape;120;p18"/>
           <p:cNvSpPr txBox="1"/>
           <p:nvPr>
             <p:ph idx="12" type="sldNum"/>
@@ -7808,7 +7908,7 @@
   <p:cSld>
     <p:spTree>
       <p:nvGrpSpPr>
-        <p:cNvPr id="123" name="Shape 123"/>
+        <p:cNvPr id="124" name="Shape 124"/>
         <p:cNvGrpSpPr/>
         <p:nvPr/>
       </p:nvGrpSpPr>
@@ -7822,7 +7922,7 @@
       </p:grpSpPr>
       <p:sp>
         <p:nvSpPr>
-          <p:cNvPr id="124" name="Google Shape;124;p19"/>
+          <p:cNvPr id="125" name="Google Shape;125;p19"/>
           <p:cNvSpPr txBox="1"/>
           <p:nvPr>
             <p:ph type="title"/>
@@ -7862,7 +7962,7 @@
       </p:sp>
       <p:sp>
         <p:nvSpPr>
-          <p:cNvPr id="125" name="Google Shape;125;p19"/>
+          <p:cNvPr id="126" name="Google Shape;126;p19"/>
           <p:cNvSpPr txBox="1"/>
           <p:nvPr>
             <p:ph idx="1" type="body"/>
@@ -8078,7 +8178,7 @@
       </p:sp>
       <p:sp>
         <p:nvSpPr>
-          <p:cNvPr id="126" name="Google Shape;126;p19"/>
+          <p:cNvPr id="127" name="Google Shape;127;p19"/>
           <p:cNvSpPr txBox="1"/>
           <p:nvPr>
             <p:ph idx="12" type="sldNum"/>
@@ -8162,7 +8262,7 @@
   <p:cSld>
     <p:spTree>
       <p:nvGrpSpPr>
-        <p:cNvPr id="130" name="Shape 130"/>
+        <p:cNvPr id="131" name="Shape 131"/>
         <p:cNvGrpSpPr/>
         <p:nvPr/>
       </p:nvGrpSpPr>
@@ -8176,7 +8276,7 @@
       </p:grpSpPr>
       <p:sp>
         <p:nvSpPr>
-          <p:cNvPr id="131" name="Google Shape;131;p20"/>
+          <p:cNvPr id="132" name="Google Shape;132;p20"/>
           <p:cNvSpPr txBox="1"/>
           <p:nvPr>
             <p:ph type="title"/>
@@ -8216,7 +8316,7 @@
       </p:sp>
       <p:sp>
         <p:nvSpPr>
-          <p:cNvPr id="132" name="Google Shape;132;p20"/>
+          <p:cNvPr id="133" name="Google Shape;133;p20"/>
           <p:cNvSpPr txBox="1"/>
           <p:nvPr>
             <p:ph idx="1" type="body"/>
@@ -8393,7 +8493,7 @@
       </p:sp>
       <p:sp>
         <p:nvSpPr>
-          <p:cNvPr id="133" name="Google Shape;133;p20"/>
+          <p:cNvPr id="134" name="Google Shape;134;p20"/>
           <p:cNvSpPr txBox="1"/>
           <p:nvPr>
             <p:ph idx="12" type="sldNum"/>
@@ -8477,7 +8577,7 @@
   <p:cSld>
     <p:spTree>
       <p:nvGrpSpPr>
-        <p:cNvPr id="137" name="Shape 137"/>
+        <p:cNvPr id="138" name="Shape 138"/>
         <p:cNvGrpSpPr/>
         <p:nvPr/>
       </p:nvGrpSpPr>
@@ -8491,7 +8591,7 @@
       </p:grpSpPr>
       <p:sp>
         <p:nvSpPr>
-          <p:cNvPr id="138" name="Google Shape;138;p21"/>
+          <p:cNvPr id="139" name="Google Shape;139;p21"/>
           <p:cNvSpPr txBox="1"/>
           <p:nvPr>
             <p:ph type="title"/>
@@ -8531,7 +8631,7 @@
       </p:sp>
       <p:sp>
         <p:nvSpPr>
-          <p:cNvPr id="139" name="Google Shape;139;p21"/>
+          <p:cNvPr id="140" name="Google Shape;140;p21"/>
           <p:cNvSpPr txBox="1"/>
           <p:nvPr>
             <p:ph idx="1" type="body"/>
@@ -8627,7 +8727,7 @@
       </p:sp>
       <p:sp>
         <p:nvSpPr>
-          <p:cNvPr id="140" name="Google Shape;140;p21"/>
+          <p:cNvPr id="141" name="Google Shape;141;p21"/>
           <p:cNvSpPr txBox="1"/>
           <p:nvPr>
             <p:ph idx="12" type="sldNum"/>
@@ -8711,7 +8811,7 @@
   <p:cSld>
     <p:spTree>
       <p:nvGrpSpPr>
-        <p:cNvPr id="144" name="Shape 144"/>
+        <p:cNvPr id="145" name="Shape 145"/>
         <p:cNvGrpSpPr/>
         <p:nvPr/>
       </p:nvGrpSpPr>
@@ -8725,7 +8825,7 @@
       </p:grpSpPr>
       <p:sp>
         <p:nvSpPr>
-          <p:cNvPr id="145" name="Google Shape;145;p22"/>
+          <p:cNvPr id="146" name="Google Shape;146;p22"/>
           <p:cNvSpPr txBox="1"/>
           <p:nvPr>
             <p:ph type="title"/>
@@ -8765,7 +8865,7 @@
       </p:sp>
       <p:sp>
         <p:nvSpPr>
-          <p:cNvPr id="146" name="Google Shape;146;p22"/>
+          <p:cNvPr id="147" name="Google Shape;147;p22"/>
           <p:cNvSpPr txBox="1"/>
           <p:nvPr>
             <p:ph idx="1" type="body"/>
@@ -8888,7 +8988,7 @@
       </p:sp>
       <p:sp>
         <p:nvSpPr>
-          <p:cNvPr id="147" name="Google Shape;147;p22"/>
+          <p:cNvPr id="148" name="Google Shape;148;p22"/>
           <p:cNvSpPr txBox="1"/>
           <p:nvPr>
             <p:ph idx="12" type="sldNum"/>
@@ -8972,7 +9072,7 @@
   <p:cSld>
     <p:spTree>
       <p:nvGrpSpPr>
-        <p:cNvPr id="151" name="Shape 151"/>
+        <p:cNvPr id="152" name="Shape 152"/>
         <p:cNvGrpSpPr/>
         <p:nvPr/>
       </p:nvGrpSpPr>
@@ -8986,7 +9086,7 @@
       </p:grpSpPr>
       <p:sp>
         <p:nvSpPr>
-          <p:cNvPr id="152" name="Google Shape;152;p23"/>
+          <p:cNvPr id="153" name="Google Shape;153;p23"/>
           <p:cNvSpPr txBox="1"/>
           <p:nvPr>
             <p:ph type="title"/>
@@ -9018,7 +9118,7 @@
             </a:pPr>
             <a:r>
               <a:rPr lang="en"/>
-              <a:t>3. Homework</a:t>
+              <a:t>3. Homework List</a:t>
             </a:r>
             <a:endParaRPr/>
           </a:p>
@@ -9037,7 +9137,7 @@
   <p:cSld>
     <p:spTree>
       <p:nvGrpSpPr>
-        <p:cNvPr id="156" name="Shape 156"/>
+        <p:cNvPr id="157" name="Shape 157"/>
         <p:cNvGrpSpPr/>
         <p:nvPr/>
       </p:nvGrpSpPr>
@@ -9051,7 +9151,7 @@
       </p:grpSpPr>
       <p:sp>
         <p:nvSpPr>
-          <p:cNvPr id="157" name="Google Shape;157;p24"/>
+          <p:cNvPr id="158" name="Google Shape;158;p24"/>
           <p:cNvSpPr txBox="1"/>
           <p:nvPr>
             <p:ph type="title"/>
@@ -9091,7 +9191,7 @@
       </p:sp>
       <p:sp>
         <p:nvSpPr>
-          <p:cNvPr id="158" name="Google Shape;158;p24"/>
+          <p:cNvPr id="159" name="Google Shape;159;p24"/>
           <p:cNvSpPr txBox="1"/>
           <p:nvPr>
             <p:ph idx="1" type="body"/>
@@ -9168,7 +9268,7 @@
       </p:sp>
       <p:sp>
         <p:nvSpPr>
-          <p:cNvPr id="159" name="Google Shape;159;p24"/>
+          <p:cNvPr id="160" name="Google Shape;160;p24"/>
           <p:cNvSpPr txBox="1"/>
           <p:nvPr>
             <p:ph idx="12" type="sldNum"/>
@@ -9252,7 +9352,7 @@
   <p:cSld>
     <p:spTree>
       <p:nvGrpSpPr>
-        <p:cNvPr id="163" name="Shape 163"/>
+        <p:cNvPr id="164" name="Shape 164"/>
         <p:cNvGrpSpPr/>
         <p:nvPr/>
       </p:nvGrpSpPr>
@@ -9266,7 +9366,7 @@
       </p:grpSpPr>
       <p:sp>
         <p:nvSpPr>
-          <p:cNvPr id="164" name="Google Shape;164;p25"/>
+          <p:cNvPr id="165" name="Google Shape;165;p25"/>
           <p:cNvSpPr txBox="1"/>
           <p:nvPr>
             <p:ph type="title"/>
@@ -9306,7 +9406,7 @@
       </p:sp>
       <p:sp>
         <p:nvSpPr>
-          <p:cNvPr id="165" name="Google Shape;165;p25"/>
+          <p:cNvPr id="166" name="Google Shape;166;p25"/>
           <p:cNvSpPr txBox="1"/>
           <p:nvPr>
             <p:ph idx="1" type="body"/>
@@ -9812,7 +9912,7 @@
       </p:sp>
       <p:sp>
         <p:nvSpPr>
-          <p:cNvPr id="166" name="Google Shape;166;p25"/>
+          <p:cNvPr id="167" name="Google Shape;167;p25"/>
           <p:cNvSpPr txBox="1"/>
           <p:nvPr>
             <p:ph idx="12" type="sldNum"/>
@@ -9896,7 +9996,7 @@
   <p:cSld>
     <p:spTree>
       <p:nvGrpSpPr>
-        <p:cNvPr id="170" name="Shape 170"/>
+        <p:cNvPr id="171" name="Shape 171"/>
         <p:cNvGrpSpPr/>
         <p:nvPr/>
       </p:nvGrpSpPr>
@@ -9910,7 +10010,7 @@
       </p:grpSpPr>
       <p:sp>
         <p:nvSpPr>
-          <p:cNvPr id="171" name="Google Shape;171;p26"/>
+          <p:cNvPr id="172" name="Google Shape;172;p26"/>
           <p:cNvSpPr txBox="1"/>
           <p:nvPr>
             <p:ph type="title"/>
@@ -9950,7 +10050,7 @@
       </p:sp>
       <p:sp>
         <p:nvSpPr>
-          <p:cNvPr id="172" name="Google Shape;172;p26"/>
+          <p:cNvPr id="173" name="Google Shape;173;p26"/>
           <p:cNvSpPr txBox="1"/>
           <p:nvPr>
             <p:ph idx="1" type="body"/>
@@ -10091,7 +10191,7 @@
       </p:sp>
       <p:sp>
         <p:nvSpPr>
-          <p:cNvPr id="173" name="Google Shape;173;p26"/>
+          <p:cNvPr id="174" name="Google Shape;174;p26"/>
           <p:cNvSpPr txBox="1"/>
           <p:nvPr>
             <p:ph idx="12" type="sldNum"/>
@@ -10238,7 +10338,7 @@
             </a:pPr>
             <a:r>
               <a:rPr lang="en"/>
-              <a:t>Homework example</a:t>
+              <a:t>Running example</a:t>
             </a:r>
             <a:endParaRPr/>
           </a:p>
@@ -10255,7 +10355,7 @@
             </a:pPr>
             <a:r>
               <a:rPr lang="en"/>
-              <a:t>Homework process</a:t>
+              <a:t>Homework setup</a:t>
             </a:r>
             <a:endParaRPr/>
           </a:p>
@@ -10272,7 +10372,7 @@
             </a:pPr>
             <a:r>
               <a:rPr lang="en"/>
-              <a:t>Homework</a:t>
+              <a:t>Homework list</a:t>
             </a:r>
             <a:endParaRPr/>
           </a:p>
@@ -10437,7 +10537,7 @@
   <p:cSld>
     <p:spTree>
       <p:nvGrpSpPr>
-        <p:cNvPr id="177" name="Shape 177"/>
+        <p:cNvPr id="178" name="Shape 178"/>
         <p:cNvGrpSpPr/>
         <p:nvPr/>
       </p:nvGrpSpPr>
@@ -10451,7 +10551,7 @@
       </p:grpSpPr>
       <p:sp>
         <p:nvSpPr>
-          <p:cNvPr id="178" name="Google Shape;178;p27"/>
+          <p:cNvPr id="179" name="Google Shape;179;p27"/>
           <p:cNvSpPr txBox="1"/>
           <p:nvPr>
             <p:ph type="title"/>
@@ -10491,7 +10591,7 @@
       </p:sp>
       <p:sp>
         <p:nvSpPr>
-          <p:cNvPr id="179" name="Google Shape;179;p27"/>
+          <p:cNvPr id="180" name="Google Shape;180;p27"/>
           <p:cNvSpPr txBox="1"/>
           <p:nvPr>
             <p:ph idx="1" type="body"/>
@@ -10615,7 +10715,7 @@
       </p:sp>
       <p:sp>
         <p:nvSpPr>
-          <p:cNvPr id="180" name="Google Shape;180;p27"/>
+          <p:cNvPr id="181" name="Google Shape;181;p27"/>
           <p:cNvSpPr txBox="1"/>
           <p:nvPr>
             <p:ph idx="12" type="sldNum"/>
@@ -10699,7 +10799,7 @@
   <p:cSld>
     <p:spTree>
       <p:nvGrpSpPr>
-        <p:cNvPr id="184" name="Shape 184"/>
+        <p:cNvPr id="185" name="Shape 185"/>
         <p:cNvGrpSpPr/>
         <p:nvPr/>
       </p:nvGrpSpPr>
@@ -10713,7 +10813,7 @@
       </p:grpSpPr>
       <p:sp>
         <p:nvSpPr>
-          <p:cNvPr id="185" name="Google Shape;185;p28"/>
+          <p:cNvPr id="186" name="Google Shape;186;p28"/>
           <p:cNvSpPr txBox="1"/>
           <p:nvPr>
             <p:ph idx="1" type="body"/>
@@ -10888,7 +10988,7 @@
       </p:sp>
       <p:sp>
         <p:nvSpPr>
-          <p:cNvPr id="186" name="Google Shape;186;p28"/>
+          <p:cNvPr id="187" name="Google Shape;187;p28"/>
           <p:cNvSpPr txBox="1"/>
           <p:nvPr>
             <p:ph type="title"/>
@@ -10928,7 +11028,7 @@
       </p:sp>
       <p:sp>
         <p:nvSpPr>
-          <p:cNvPr id="187" name="Google Shape;187;p28"/>
+          <p:cNvPr id="188" name="Google Shape;188;p28"/>
           <p:cNvSpPr txBox="1"/>
           <p:nvPr>
             <p:ph idx="12" type="sldNum"/>
@@ -11012,7 +11112,7 @@
   <p:cSld>
     <p:spTree>
       <p:nvGrpSpPr>
-        <p:cNvPr id="191" name="Shape 191"/>
+        <p:cNvPr id="192" name="Shape 192"/>
         <p:cNvGrpSpPr/>
         <p:nvPr/>
       </p:nvGrpSpPr>
@@ -11026,7 +11126,7 @@
       </p:grpSpPr>
       <p:sp>
         <p:nvSpPr>
-          <p:cNvPr id="192" name="Google Shape;192;p29"/>
+          <p:cNvPr id="193" name="Google Shape;193;p29"/>
           <p:cNvSpPr txBox="1"/>
           <p:nvPr>
             <p:ph idx="1" type="body"/>
@@ -11186,7 +11286,7 @@
       </p:sp>
       <p:sp>
         <p:nvSpPr>
-          <p:cNvPr id="193" name="Google Shape;193;p29"/>
+          <p:cNvPr id="194" name="Google Shape;194;p29"/>
           <p:cNvSpPr txBox="1"/>
           <p:nvPr>
             <p:ph type="title"/>
@@ -11230,7 +11330,7 @@
       </p:sp>
       <p:sp>
         <p:nvSpPr>
-          <p:cNvPr id="194" name="Google Shape;194;p29"/>
+          <p:cNvPr id="195" name="Google Shape;195;p29"/>
           <p:cNvSpPr txBox="1"/>
           <p:nvPr>
             <p:ph idx="12" type="sldNum"/>
@@ -11314,7 +11414,7 @@
   <p:cSld>
     <p:spTree>
       <p:nvGrpSpPr>
-        <p:cNvPr id="198" name="Shape 198"/>
+        <p:cNvPr id="199" name="Shape 199"/>
         <p:cNvGrpSpPr/>
         <p:nvPr/>
       </p:nvGrpSpPr>
@@ -11328,7 +11428,7 @@
       </p:grpSpPr>
       <p:sp>
         <p:nvSpPr>
-          <p:cNvPr id="199" name="Google Shape;199;p30"/>
+          <p:cNvPr id="200" name="Google Shape;200;p30"/>
           <p:cNvSpPr txBox="1"/>
           <p:nvPr>
             <p:ph type="title"/>
@@ -11368,7 +11468,7 @@
       </p:sp>
       <p:sp>
         <p:nvSpPr>
-          <p:cNvPr id="200" name="Google Shape;200;p30"/>
+          <p:cNvPr id="201" name="Google Shape;201;p30"/>
           <p:cNvSpPr txBox="1"/>
           <p:nvPr>
             <p:ph idx="1" type="body"/>
@@ -11517,7 +11617,7 @@
       </p:sp>
       <p:sp>
         <p:nvSpPr>
-          <p:cNvPr id="201" name="Google Shape;201;p30"/>
+          <p:cNvPr id="202" name="Google Shape;202;p30"/>
           <p:cNvSpPr txBox="1"/>
           <p:nvPr>
             <p:ph idx="12" type="sldNum"/>
@@ -11601,7 +11701,7 @@
   <p:cSld>
     <p:spTree>
       <p:nvGrpSpPr>
-        <p:cNvPr id="205" name="Shape 205"/>
+        <p:cNvPr id="206" name="Shape 206"/>
         <p:cNvGrpSpPr/>
         <p:nvPr/>
       </p:nvGrpSpPr>
@@ -11615,39 +11715,38 @@
       </p:grpSpPr>
       <p:sp>
         <p:nvSpPr>
-          <p:cNvPr id="206" name="Google Shape;206;p31"/>
+          <p:cNvPr id="207" name="Google Shape;207;p31"/>
           <p:cNvSpPr txBox="1"/>
           <p:nvPr>
-            <p:ph type="ctrTitle"/>
+            <p:ph type="title"/>
           </p:nvPr>
         </p:nvSpPr>
         <p:spPr>
           <a:xfrm>
             <a:off x="0" y="0"/>
-            <a:ext cx="9144000" cy="2388900"/>
+            <a:ext cx="9144000" cy="685800"/>
           </a:xfrm>
           <a:prstGeom prst="rect">
             <a:avLst/>
           </a:prstGeom>
         </p:spPr>
         <p:txBody>
-          <a:bodyPr anchorCtr="0" anchor="b" bIns="274300" lIns="91425" spcFirstLastPara="1" rIns="91425" wrap="square" tIns="91425">
+          <a:bodyPr anchorCtr="0" anchor="ctr" bIns="91425" lIns="274300" spcFirstLastPara="1" rIns="91425" wrap="square" tIns="91425">
             <a:noAutofit/>
           </a:bodyPr>
           <a:lstStyle/>
           <a:p>
-            <a:pPr indent="0" lvl="0" marL="0" rtl="0" algn="ctr">
-              <a:spcBef>
-                <a:spcPts val="0"/>
-              </a:spcBef>
-              <a:spcAft>
-                <a:spcPts val="0"/>
-              </a:spcAft>
-              <a:buNone/>
-            </a:pPr>
-            <a:r>
-              <a:rPr lang="en"/>
-              <a:t>Thank you! Any questions?</a:t>
+            <a:pPr indent="0" lvl="0" marL="0" rtl="0" algn="l">
+              <a:spcBef>
+                <a:spcPts val="0"/>
+              </a:spcBef>
+              <a:spcAft>
+                <a:spcPts val="0"/>
+              </a:spcAft>
+              <a:buNone/>
+            </a:pPr>
+            <a:r>
+              <a:t/>
             </a:r>
             <a:endParaRPr/>
           </a:p>
@@ -11655,73 +11754,113 @@
       </p:sp>
       <p:sp>
         <p:nvSpPr>
-          <p:cNvPr id="207" name="Google Shape;207;p31"/>
+          <p:cNvPr id="208" name="Google Shape;208;p31"/>
           <p:cNvSpPr txBox="1"/>
           <p:nvPr>
-            <p:ph idx="1" type="subTitle"/>
+            <p:ph idx="1" type="body"/>
           </p:nvPr>
         </p:nvSpPr>
         <p:spPr>
           <a:xfrm>
-            <a:off x="0" y="2569475"/>
-            <a:ext cx="9144000" cy="2574000"/>
+            <a:off x="274320" y="914400"/>
+            <a:ext cx="8595300" cy="4114800"/>
           </a:xfrm>
           <a:prstGeom prst="rect">
             <a:avLst/>
           </a:prstGeom>
         </p:spPr>
         <p:txBody>
-          <a:bodyPr anchorCtr="0" anchor="t" bIns="91425" lIns="91425" spcFirstLastPara="1" rIns="91425" wrap="square" tIns="274300">
+          <a:bodyPr anchorCtr="0" anchor="t" bIns="0" lIns="0" spcFirstLastPara="1" rIns="0" wrap="square" tIns="0">
             <a:noAutofit/>
           </a:bodyPr>
           <a:lstStyle/>
           <a:p>
-            <a:pPr indent="0" lvl="0" marL="0" rtl="0" algn="ctr">
-              <a:lnSpc>
-                <a:spcPct val="150000"/>
-              </a:lnSpc>
-              <a:spcBef>
-                <a:spcPts val="0"/>
-              </a:spcBef>
-              <a:spcAft>
-                <a:spcPts val="0"/>
-              </a:spcAft>
-              <a:buNone/>
-            </a:pPr>
-            <a:r>
-              <a:rPr lang="en" u="sng">
+            <a:pPr indent="0" lvl="0" marL="0" rtl="0" algn="l">
+              <a:spcBef>
+                <a:spcPts val="0"/>
+              </a:spcBef>
+              <a:spcAft>
+                <a:spcPts val="1200"/>
+              </a:spcAft>
+              <a:buNone/>
+            </a:pPr>
+            <a:r>
+              <a:t/>
+            </a:r>
+            <a:endParaRPr/>
+          </a:p>
+        </p:txBody>
+      </p:sp>
+      <p:sp>
+        <p:nvSpPr>
+          <p:cNvPr id="209" name="Google Shape;209;p31"/>
+          <p:cNvSpPr txBox="1"/>
+          <p:nvPr>
+            <p:ph idx="12" type="sldNum"/>
+          </p:nvPr>
+        </p:nvSpPr>
+        <p:spPr>
+          <a:xfrm>
+            <a:off x="7315202" y="4416550"/>
+            <a:ext cx="1828800" cy="731400"/>
+          </a:xfrm>
+          <a:prstGeom prst="rect">
+            <a:avLst/>
+          </a:prstGeom>
+        </p:spPr>
+        <p:txBody>
+          <a:bodyPr anchorCtr="0" anchor="b" bIns="91425" lIns="91425" spcFirstLastPara="1" rIns="91425" wrap="square" tIns="91425">
+            <a:noAutofit/>
+          </a:bodyPr>
+          <a:lstStyle/>
+          <a:p>
+            <a:pPr indent="0" lvl="0" marL="0" rtl="0" algn="r">
+              <a:spcBef>
+                <a:spcPts val="0"/>
+              </a:spcBef>
+              <a:spcAft>
+                <a:spcPts val="0"/>
+              </a:spcAft>
+              <a:buNone/>
+            </a:pPr>
+            <a:fld id="{00000000-1234-1234-1234-123412341234}" type="slidenum">
+              <a:rPr lang="en"/>
+              <a:t>‹#›</a:t>
+            </a:fld>
+            <a:endParaRPr/>
+          </a:p>
+          <a:p>
+            <a:pPr indent="0" lvl="0" marL="0" rtl="0" algn="r">
+              <a:spcBef>
+                <a:spcPts val="0"/>
+              </a:spcBef>
+              <a:spcAft>
+                <a:spcPts val="0"/>
+              </a:spcAft>
+              <a:buNone/>
+            </a:pPr>
+            <a:r>
+              <a:rPr b="0" lang="en" sz="900" u="sng">
                 <a:solidFill>
                   <a:schemeClr val="hlink"/>
                 </a:solidFill>
                 <a:hlinkClick r:id="rId3"/>
               </a:rPr>
-              <a:t>adap-team@group.riehle.org</a:t>
-            </a:r>
-            <a:endParaRPr/>
-          </a:p>
-          <a:p>
-            <a:pPr indent="0" lvl="0" marL="0" rtl="0" algn="ctr">
-              <a:lnSpc>
-                <a:spcPct val="150000"/>
-              </a:lnSpc>
-              <a:spcBef>
-                <a:spcPts val="0"/>
-              </a:spcBef>
-              <a:spcAft>
-                <a:spcPts val="0"/>
-              </a:spcAft>
-              <a:buNone/>
-            </a:pPr>
-            <a:r>
-              <a:rPr lang="en" u="sng">
+              <a:t>https://oss.cs.fau.de</a:t>
+            </a:r>
+            <a:r>
+              <a:rPr b="0" lang="en" sz="900">
                 <a:solidFill>
-                  <a:schemeClr val="hlink"/>
+                  <a:schemeClr val="dk2"/>
                 </a:solidFill>
-                <a:hlinkClick r:id="rId4"/>
               </a:rPr>
-              <a:t>https://oss.cs.fau.de</a:t>
-            </a:r>
-            <a:endParaRPr sz="2400"/>
+              <a:t> </a:t>
+            </a:r>
+            <a:endParaRPr b="0" sz="900">
+              <a:solidFill>
+                <a:schemeClr val="dk2"/>
+              </a:solidFill>
+            </a:endParaRPr>
           </a:p>
         </p:txBody>
       </p:sp>
@@ -11738,7 +11877,7 @@
   <p:cSld>
     <p:spTree>
       <p:nvGrpSpPr>
-        <p:cNvPr id="211" name="Shape 211"/>
+        <p:cNvPr id="213" name="Shape 213"/>
         <p:cNvGrpSpPr/>
         <p:nvPr/>
       </p:nvGrpSpPr>
@@ -11752,7 +11891,144 @@
       </p:grpSpPr>
       <p:sp>
         <p:nvSpPr>
-          <p:cNvPr id="212" name="Google Shape;212;p32"/>
+          <p:cNvPr id="214" name="Google Shape;214;p32"/>
+          <p:cNvSpPr txBox="1"/>
+          <p:nvPr>
+            <p:ph type="ctrTitle"/>
+          </p:nvPr>
+        </p:nvSpPr>
+        <p:spPr>
+          <a:xfrm>
+            <a:off x="0" y="0"/>
+            <a:ext cx="9144000" cy="2388900"/>
+          </a:xfrm>
+          <a:prstGeom prst="rect">
+            <a:avLst/>
+          </a:prstGeom>
+        </p:spPr>
+        <p:txBody>
+          <a:bodyPr anchorCtr="0" anchor="b" bIns="274300" lIns="91425" spcFirstLastPara="1" rIns="91425" wrap="square" tIns="91425">
+            <a:noAutofit/>
+          </a:bodyPr>
+          <a:lstStyle/>
+          <a:p>
+            <a:pPr indent="0" lvl="0" marL="0" rtl="0" algn="ctr">
+              <a:spcBef>
+                <a:spcPts val="0"/>
+              </a:spcBef>
+              <a:spcAft>
+                <a:spcPts val="0"/>
+              </a:spcAft>
+              <a:buNone/>
+            </a:pPr>
+            <a:r>
+              <a:rPr lang="en"/>
+              <a:t>Thank you! Any questions?</a:t>
+            </a:r>
+            <a:endParaRPr/>
+          </a:p>
+        </p:txBody>
+      </p:sp>
+      <p:sp>
+        <p:nvSpPr>
+          <p:cNvPr id="215" name="Google Shape;215;p32"/>
+          <p:cNvSpPr txBox="1"/>
+          <p:nvPr>
+            <p:ph idx="1" type="subTitle"/>
+          </p:nvPr>
+        </p:nvSpPr>
+        <p:spPr>
+          <a:xfrm>
+            <a:off x="0" y="2569475"/>
+            <a:ext cx="9144000" cy="2574000"/>
+          </a:xfrm>
+          <a:prstGeom prst="rect">
+            <a:avLst/>
+          </a:prstGeom>
+        </p:spPr>
+        <p:txBody>
+          <a:bodyPr anchorCtr="0" anchor="t" bIns="91425" lIns="91425" spcFirstLastPara="1" rIns="91425" wrap="square" tIns="274300">
+            <a:noAutofit/>
+          </a:bodyPr>
+          <a:lstStyle/>
+          <a:p>
+            <a:pPr indent="0" lvl="0" marL="0" rtl="0" algn="ctr">
+              <a:lnSpc>
+                <a:spcPct val="150000"/>
+              </a:lnSpc>
+              <a:spcBef>
+                <a:spcPts val="0"/>
+              </a:spcBef>
+              <a:spcAft>
+                <a:spcPts val="0"/>
+              </a:spcAft>
+              <a:buNone/>
+            </a:pPr>
+            <a:r>
+              <a:rPr lang="en" u="sng">
+                <a:solidFill>
+                  <a:schemeClr val="hlink"/>
+                </a:solidFill>
+                <a:hlinkClick r:id="rId3"/>
+              </a:rPr>
+              <a:t>adap-team@group.riehle.org</a:t>
+            </a:r>
+            <a:endParaRPr/>
+          </a:p>
+          <a:p>
+            <a:pPr indent="0" lvl="0" marL="0" rtl="0" algn="ctr">
+              <a:lnSpc>
+                <a:spcPct val="150000"/>
+              </a:lnSpc>
+              <a:spcBef>
+                <a:spcPts val="0"/>
+              </a:spcBef>
+              <a:spcAft>
+                <a:spcPts val="0"/>
+              </a:spcAft>
+              <a:buNone/>
+            </a:pPr>
+            <a:r>
+              <a:rPr lang="en" u="sng">
+                <a:solidFill>
+                  <a:schemeClr val="hlink"/>
+                </a:solidFill>
+                <a:hlinkClick r:id="rId4"/>
+              </a:rPr>
+              <a:t>https://oss.cs.fau.de</a:t>
+            </a:r>
+            <a:endParaRPr sz="2400"/>
+          </a:p>
+        </p:txBody>
+      </p:sp>
+    </p:spTree>
+  </p:cSld>
+  <p:clrMapOvr>
+    <a:masterClrMapping/>
+  </p:clrMapOvr>
+</p:sld>
+</file>
+
+<file path=ppt/slides/slide26.xml><?xml version="1.0" encoding="utf-8"?>
+<p:sld xmlns:a="http://schemas.openxmlformats.org/drawingml/2006/main" xmlns:r="http://schemas.openxmlformats.org/officeDocument/2006/relationships" xmlns:mc="http://schemas.openxmlformats.org/markup-compatibility/2006" xmlns:mv="urn:schemas-microsoft-com:mac:vml" xmlns:p="http://schemas.openxmlformats.org/presentationml/2006/main" xmlns:c="http://schemas.openxmlformats.org/drawingml/2006/chart" xmlns:dgm="http://schemas.openxmlformats.org/drawingml/2006/diagram" xmlns:o="urn:schemas-microsoft-com:office:office" xmlns:v="urn:schemas-microsoft-com:vml" xmlns:pvml="urn:schemas-microsoft-com:office:powerpoint" xmlns:com="http://schemas.openxmlformats.org/drawingml/2006/compatibility" xmlns:p14="http://schemas.microsoft.com/office/powerpoint/2010/main" xmlns:p15="http://schemas.microsoft.com/office/powerpoint/2012/main" xmlns:ahyp="http://schemas.microsoft.com/office/drawing/2018/hyperlinkcolor">
+  <p:cSld>
+    <p:spTree>
+      <p:nvGrpSpPr>
+        <p:cNvPr id="219" name="Shape 219"/>
+        <p:cNvGrpSpPr/>
+        <p:nvPr/>
+      </p:nvGrpSpPr>
+      <p:grpSpPr>
+        <a:xfrm>
+          <a:off x="0" y="0"/>
+          <a:ext cx="0" cy="0"/>
+          <a:chOff x="0" y="0"/>
+          <a:chExt cx="0" cy="0"/>
+        </a:xfrm>
+      </p:grpSpPr>
+      <p:sp>
+        <p:nvSpPr>
+          <p:cNvPr id="220" name="Google Shape;220;p33"/>
           <p:cNvSpPr txBox="1"/>
           <p:nvPr>
             <p:ph type="title"/>
@@ -11792,7 +12068,7 @@
       </p:sp>
       <p:sp>
         <p:nvSpPr>
-          <p:cNvPr id="213" name="Google Shape;213;p32"/>
+          <p:cNvPr id="221" name="Google Shape;221;p33"/>
           <p:cNvSpPr txBox="1"/>
           <p:nvPr>
             <p:ph idx="12" type="sldNum"/>
@@ -11865,7 +12141,7 @@
       </p:sp>
       <p:sp>
         <p:nvSpPr>
-          <p:cNvPr id="214" name="Google Shape;214;p32"/>
+          <p:cNvPr id="222" name="Google Shape;222;p33"/>
           <p:cNvSpPr txBox="1"/>
           <p:nvPr>
             <p:ph idx="1" type="body"/>
@@ -12055,7 +12331,7 @@
             </a:pPr>
             <a:r>
               <a:rPr lang="en"/>
-              <a:t>1. Homework Example</a:t>
+              <a:t>1. Running Example</a:t>
             </a:r>
             <a:endParaRPr/>
           </a:p>
@@ -13087,6 +13363,23 @@
             <a:endParaRPr/>
           </a:p>
           <a:p>
+            <a:pPr indent="-342900" lvl="0" marL="457200" rtl="0" algn="l">
+              <a:spcBef>
+                <a:spcPts val="1200"/>
+              </a:spcBef>
+              <a:spcAft>
+                <a:spcPts val="0"/>
+              </a:spcAft>
+              <a:buSzPts val="1800"/>
+              <a:buChar char="●"/>
+            </a:pPr>
+            <a:r>
+              <a:rPr lang="en"/>
+              <a:t>Not to be confused with the adap-course repository for the slides</a:t>
+            </a:r>
+            <a:endParaRPr/>
+          </a:p>
+          <a:p>
             <a:pPr indent="0" lvl="0" marL="0" rtl="0" algn="l">
               <a:spcBef>
                 <a:spcPts val="1200"/>
@@ -13242,6 +13535,47 @@
                 <a:schemeClr val="dk2"/>
               </a:solidFill>
             </a:endParaRPr>
+          </a:p>
+        </p:txBody>
+      </p:sp>
+      <p:sp>
+        <p:nvSpPr>
+          <p:cNvPr id="99" name="Google Shape;99;p15"/>
+          <p:cNvSpPr txBox="1"/>
+          <p:nvPr/>
+        </p:nvSpPr>
+        <p:spPr>
+          <a:xfrm>
+            <a:off x="0" y="4233672"/>
+            <a:ext cx="7315200" cy="914400"/>
+          </a:xfrm>
+          <a:prstGeom prst="rect">
+            <a:avLst/>
+          </a:prstGeom>
+          <a:noFill/>
+          <a:ln>
+            <a:noFill/>
+          </a:ln>
+        </p:spPr>
+        <p:txBody>
+          <a:bodyPr anchorCtr="0" anchor="b" bIns="91425" lIns="91425" spcFirstLastPara="1" rIns="91425" wrap="square" tIns="91425">
+            <a:noAutofit/>
+          </a:bodyPr>
+          <a:lstStyle/>
+          <a:p>
+            <a:pPr indent="0" lvl="0" marL="0" rtl="0" algn="l">
+              <a:spcBef>
+                <a:spcPts val="0"/>
+              </a:spcBef>
+              <a:spcAft>
+                <a:spcPts val="0"/>
+              </a:spcAft>
+              <a:buNone/>
+            </a:pPr>
+            <a:r>
+              <a:t/>
+            </a:r>
+            <a:endParaRPr/>
           </a:p>
         </p:txBody>
       </p:sp>
@@ -13258,7 +13592,7 @@
   <p:cSld>
     <p:spTree>
       <p:nvGrpSpPr>
-        <p:cNvPr id="102" name="Shape 102"/>
+        <p:cNvPr id="103" name="Shape 103"/>
         <p:cNvGrpSpPr/>
         <p:nvPr/>
       </p:nvGrpSpPr>
@@ -13272,7 +13606,7 @@
       </p:grpSpPr>
       <p:sp>
         <p:nvSpPr>
-          <p:cNvPr id="103" name="Google Shape;103;p16"/>
+          <p:cNvPr id="104" name="Google Shape;104;p16"/>
           <p:cNvSpPr txBox="1"/>
           <p:nvPr>
             <p:ph type="title"/>
@@ -13312,7 +13646,7 @@
       </p:sp>
       <p:sp>
         <p:nvSpPr>
-          <p:cNvPr id="104" name="Google Shape;104;p16"/>
+          <p:cNvPr id="105" name="Google Shape;105;p16"/>
           <p:cNvSpPr txBox="1"/>
           <p:nvPr>
             <p:ph idx="1" type="body"/>
@@ -13480,7 +13814,7 @@
       </p:sp>
       <p:sp>
         <p:nvSpPr>
-          <p:cNvPr id="105" name="Google Shape;105;p16"/>
+          <p:cNvPr id="106" name="Google Shape;106;p16"/>
           <p:cNvSpPr txBox="1"/>
           <p:nvPr>
             <p:ph idx="12" type="sldNum"/>
